--- a/Kickstarter Project Pres.pptx
+++ b/Kickstarter Project Pres.pptx
@@ -8,12 +8,18 @@
     <p:sldId id="256" r:id="rId2"/>
     <p:sldId id="257" r:id="rId3"/>
     <p:sldId id="258" r:id="rId4"/>
-    <p:sldId id="261" r:id="rId5"/>
-    <p:sldId id="262" r:id="rId6"/>
-    <p:sldId id="263" r:id="rId7"/>
-    <p:sldId id="264" r:id="rId8"/>
-    <p:sldId id="265" r:id="rId9"/>
-    <p:sldId id="260" r:id="rId10"/>
+    <p:sldId id="267" r:id="rId5"/>
+    <p:sldId id="268" r:id="rId6"/>
+    <p:sldId id="269" r:id="rId7"/>
+    <p:sldId id="270" r:id="rId8"/>
+    <p:sldId id="271" r:id="rId9"/>
+    <p:sldId id="261" r:id="rId10"/>
+    <p:sldId id="262" r:id="rId11"/>
+    <p:sldId id="263" r:id="rId12"/>
+    <p:sldId id="264" r:id="rId13"/>
+    <p:sldId id="265" r:id="rId14"/>
+    <p:sldId id="266" r:id="rId15"/>
+    <p:sldId id="260" r:id="rId16"/>
   </p:sldIdLst>
   <p:sldSz cx="12192000" cy="6858000"/>
   <p:notesSz cx="6858000" cy="9144000"/>
@@ -112,6 +118,11 @@
       </a:defRPr>
     </a:lvl9pPr>
   </p:defaultTextStyle>
+  <p:extLst>
+    <p:ext uri="{EFAFB233-063F-42B5-8137-9DF3F51BA10A}">
+      <p15:sldGuideLst xmlns:p15="http://schemas.microsoft.com/office/powerpoint/2012/main"/>
+    </p:ext>
+  </p:extLst>
 </p:presentation>
 </file>
 
@@ -172,7 +183,7 @@
           <a:noFill/>
           <a:extLst>
             <a:ext uri="{909E8E84-426E-40dd-AFC4-6F175D3DCCD1}">
-              <a14:hiddenFill xmlns:a14="http://schemas.microsoft.com/office/drawing/2010/main" xmlns="">
+              <a14:hiddenFill xmlns="" xmlns:a14="http://schemas.microsoft.com/office/drawing/2010/main">
                 <a:solidFill>
                   <a:srgbClr val="FFFFFF"/>
                 </a:solidFill>
@@ -231,7 +242,7 @@
             </a:ln>
             <a:extLst>
               <a:ext uri="{91240B29-F687-4f45-9708-019B960494DF}">
-                <a14:hiddenLine xmlns:a14="http://schemas.microsoft.com/office/drawing/2010/main" xmlns="" w="9525">
+                <a14:hiddenLine xmlns="" xmlns:a14="http://schemas.microsoft.com/office/drawing/2010/main" w="9525">
                   <a:solidFill>
                     <a:srgbClr val="000000"/>
                   </a:solidFill>
@@ -321,7 +332,7 @@
             </a:ln>
             <a:extLst>
               <a:ext uri="{91240B29-F687-4f45-9708-019B960494DF}">
-                <a14:hiddenLine xmlns:a14="http://schemas.microsoft.com/office/drawing/2010/main" xmlns="" w="9525">
+                <a14:hiddenLine xmlns="" xmlns:a14="http://schemas.microsoft.com/office/drawing/2010/main" w="9525">
                   <a:solidFill>
                     <a:srgbClr val="000000"/>
                   </a:solidFill>
@@ -411,7 +422,7 @@
             </a:ln>
             <a:extLst>
               <a:ext uri="{91240B29-F687-4f45-9708-019B960494DF}">
-                <a14:hiddenLine xmlns:a14="http://schemas.microsoft.com/office/drawing/2010/main" xmlns="" w="9525">
+                <a14:hiddenLine xmlns="" xmlns:a14="http://schemas.microsoft.com/office/drawing/2010/main" w="9525">
                   <a:solidFill>
                     <a:srgbClr val="000000"/>
                   </a:solidFill>
@@ -445,7 +456,7 @@
             </a:ln>
             <a:extLst>
               <a:ext uri="{91240B29-F687-4f45-9708-019B960494DF}">
-                <a14:hiddenLine xmlns:a14="http://schemas.microsoft.com/office/drawing/2010/main" xmlns="" w="9525">
+                <a14:hiddenLine xmlns="" xmlns:a14="http://schemas.microsoft.com/office/drawing/2010/main" w="9525">
                   <a:solidFill>
                     <a:srgbClr val="000000"/>
                   </a:solidFill>
@@ -535,7 +546,7 @@
             </a:ln>
             <a:extLst>
               <a:ext uri="{91240B29-F687-4f45-9708-019B960494DF}">
-                <a14:hiddenLine xmlns:a14="http://schemas.microsoft.com/office/drawing/2010/main" xmlns="" w="9525">
+                <a14:hiddenLine xmlns="" xmlns:a14="http://schemas.microsoft.com/office/drawing/2010/main" w="9525">
                   <a:solidFill>
                     <a:srgbClr val="000000"/>
                   </a:solidFill>
@@ -597,7 +608,7 @@
             </a:ln>
             <a:extLst>
               <a:ext uri="{91240B29-F687-4f45-9708-019B960494DF}">
-                <a14:hiddenLine xmlns:a14="http://schemas.microsoft.com/office/drawing/2010/main" xmlns="" w="9525">
+                <a14:hiddenLine xmlns="" xmlns:a14="http://schemas.microsoft.com/office/drawing/2010/main" w="9525">
                   <a:solidFill>
                     <a:srgbClr val="000000"/>
                   </a:solidFill>
@@ -659,7 +670,7 @@
             </a:ln>
             <a:extLst>
               <a:ext uri="{91240B29-F687-4f45-9708-019B960494DF}">
-                <a14:hiddenLine xmlns:a14="http://schemas.microsoft.com/office/drawing/2010/main" xmlns="" w="9525">
+                <a14:hiddenLine xmlns="" xmlns:a14="http://schemas.microsoft.com/office/drawing/2010/main" w="9525">
                   <a:solidFill>
                     <a:srgbClr val="000000"/>
                   </a:solidFill>
@@ -749,7 +760,7 @@
             </a:ln>
             <a:extLst>
               <a:ext uri="{91240B29-F687-4f45-9708-019B960494DF}">
-                <a14:hiddenLine xmlns:a14="http://schemas.microsoft.com/office/drawing/2010/main" xmlns="" w="9525">
+                <a14:hiddenLine xmlns="" xmlns:a14="http://schemas.microsoft.com/office/drawing/2010/main" w="9525">
                   <a:solidFill>
                     <a:srgbClr val="000000"/>
                   </a:solidFill>
@@ -811,7 +822,7 @@
             </a:ln>
             <a:extLst>
               <a:ext uri="{91240B29-F687-4f45-9708-019B960494DF}">
-                <a14:hiddenLine xmlns:a14="http://schemas.microsoft.com/office/drawing/2010/main" xmlns="" w="9525">
+                <a14:hiddenLine xmlns="" xmlns:a14="http://schemas.microsoft.com/office/drawing/2010/main" w="9525">
                   <a:solidFill>
                     <a:srgbClr val="000000"/>
                   </a:solidFill>
@@ -873,7 +884,7 @@
             </a:ln>
             <a:extLst>
               <a:ext uri="{91240B29-F687-4f45-9708-019B960494DF}">
-                <a14:hiddenLine xmlns:a14="http://schemas.microsoft.com/office/drawing/2010/main" xmlns="" w="9525">
+                <a14:hiddenLine xmlns="" xmlns:a14="http://schemas.microsoft.com/office/drawing/2010/main" w="9525">
                   <a:solidFill>
                     <a:srgbClr val="000000"/>
                   </a:solidFill>
@@ -963,7 +974,7 @@
             </a:ln>
             <a:extLst>
               <a:ext uri="{91240B29-F687-4f45-9708-019B960494DF}">
-                <a14:hiddenLine xmlns:a14="http://schemas.microsoft.com/office/drawing/2010/main" xmlns="" w="9525">
+                <a14:hiddenLine xmlns="" xmlns:a14="http://schemas.microsoft.com/office/drawing/2010/main" w="9525">
                   <a:solidFill>
                     <a:srgbClr val="000000"/>
                   </a:solidFill>
@@ -1053,7 +1064,7 @@
             </a:ln>
             <a:extLst>
               <a:ext uri="{91240B29-F687-4f45-9708-019B960494DF}">
-                <a14:hiddenLine xmlns:a14="http://schemas.microsoft.com/office/drawing/2010/main" xmlns="" w="9525">
+                <a14:hiddenLine xmlns="" xmlns:a14="http://schemas.microsoft.com/office/drawing/2010/main" w="9525">
                   <a:solidFill>
                     <a:srgbClr val="000000"/>
                   </a:solidFill>
@@ -1115,7 +1126,7 @@
             </a:ln>
             <a:extLst>
               <a:ext uri="{91240B29-F687-4f45-9708-019B960494DF}">
-                <a14:hiddenLine xmlns:a14="http://schemas.microsoft.com/office/drawing/2010/main" xmlns="" w="9525">
+                <a14:hiddenLine xmlns="" xmlns:a14="http://schemas.microsoft.com/office/drawing/2010/main" w="9525">
                   <a:solidFill>
                     <a:srgbClr val="000000"/>
                   </a:solidFill>
@@ -1225,7 +1236,7 @@
             </a:ln>
             <a:extLst>
               <a:ext uri="{91240B29-F687-4f45-9708-019B960494DF}">
-                <a14:hiddenLine xmlns:a14="http://schemas.microsoft.com/office/drawing/2010/main" xmlns="" w="9525">
+                <a14:hiddenLine xmlns="" xmlns:a14="http://schemas.microsoft.com/office/drawing/2010/main" w="9525">
                   <a:solidFill>
                     <a:srgbClr val="000000"/>
                   </a:solidFill>
@@ -1287,7 +1298,7 @@
             </a:ln>
             <a:extLst>
               <a:ext uri="{91240B29-F687-4f45-9708-019B960494DF}">
-                <a14:hiddenLine xmlns:a14="http://schemas.microsoft.com/office/drawing/2010/main" xmlns="" w="9525">
+                <a14:hiddenLine xmlns="" xmlns:a14="http://schemas.microsoft.com/office/drawing/2010/main" w="9525">
                   <a:solidFill>
                     <a:srgbClr val="000000"/>
                   </a:solidFill>
@@ -1377,7 +1388,7 @@
             </a:ln>
             <a:extLst>
               <a:ext uri="{91240B29-F687-4f45-9708-019B960494DF}">
-                <a14:hiddenLine xmlns:a14="http://schemas.microsoft.com/office/drawing/2010/main" xmlns="" w="9525">
+                <a14:hiddenLine xmlns="" xmlns:a14="http://schemas.microsoft.com/office/drawing/2010/main" w="9525">
                   <a:solidFill>
                     <a:srgbClr val="000000"/>
                   </a:solidFill>
@@ -1467,7 +1478,7 @@
             </a:ln>
             <a:extLst>
               <a:ext uri="{91240B29-F687-4f45-9708-019B960494DF}">
-                <a14:hiddenLine xmlns:a14="http://schemas.microsoft.com/office/drawing/2010/main" xmlns="" w="9525">
+                <a14:hiddenLine xmlns="" xmlns:a14="http://schemas.microsoft.com/office/drawing/2010/main" w="9525">
                   <a:solidFill>
                     <a:srgbClr val="000000"/>
                   </a:solidFill>
@@ -1529,7 +1540,7 @@
             </a:ln>
             <a:extLst>
               <a:ext uri="{91240B29-F687-4f45-9708-019B960494DF}">
-                <a14:hiddenLine xmlns:a14="http://schemas.microsoft.com/office/drawing/2010/main" xmlns="" w="9525">
+                <a14:hiddenLine xmlns="" xmlns:a14="http://schemas.microsoft.com/office/drawing/2010/main" w="9525">
                   <a:solidFill>
                     <a:srgbClr val="000000"/>
                   </a:solidFill>
@@ -1619,7 +1630,7 @@
             </a:ln>
             <a:extLst>
               <a:ext uri="{91240B29-F687-4f45-9708-019B960494DF}">
-                <a14:hiddenLine xmlns:a14="http://schemas.microsoft.com/office/drawing/2010/main" xmlns="" w="9525">
+                <a14:hiddenLine xmlns="" xmlns:a14="http://schemas.microsoft.com/office/drawing/2010/main" w="9525">
                   <a:solidFill>
                     <a:srgbClr val="000000"/>
                   </a:solidFill>
@@ -1709,7 +1720,7 @@
             </a:ln>
             <a:extLst>
               <a:ext uri="{91240B29-F687-4f45-9708-019B960494DF}">
-                <a14:hiddenLine xmlns:a14="http://schemas.microsoft.com/office/drawing/2010/main" xmlns="" w="9525">
+                <a14:hiddenLine xmlns="" xmlns:a14="http://schemas.microsoft.com/office/drawing/2010/main" w="9525">
                   <a:solidFill>
                     <a:srgbClr val="000000"/>
                   </a:solidFill>
@@ -1765,7 +1776,7 @@
             </a:ln>
             <a:extLst>
               <a:ext uri="{91240B29-F687-4f45-9708-019B960494DF}">
-                <a14:hiddenLine xmlns:a14="http://schemas.microsoft.com/office/drawing/2010/main" xmlns="" w="9525">
+                <a14:hiddenLine xmlns="" xmlns:a14="http://schemas.microsoft.com/office/drawing/2010/main" w="9525">
                   <a:solidFill>
                     <a:srgbClr val="000000"/>
                   </a:solidFill>
@@ -1855,7 +1866,7 @@
             </a:ln>
             <a:extLst>
               <a:ext uri="{91240B29-F687-4f45-9708-019B960494DF}">
-                <a14:hiddenLine xmlns:a14="http://schemas.microsoft.com/office/drawing/2010/main" xmlns="" w="9525">
+                <a14:hiddenLine xmlns="" xmlns:a14="http://schemas.microsoft.com/office/drawing/2010/main" w="9525">
                   <a:solidFill>
                     <a:srgbClr val="000000"/>
                   </a:solidFill>
@@ -1911,7 +1922,7 @@
             </a:ln>
             <a:extLst>
               <a:ext uri="{91240B29-F687-4f45-9708-019B960494DF}">
-                <a14:hiddenLine xmlns:a14="http://schemas.microsoft.com/office/drawing/2010/main" xmlns="" w="9525">
+                <a14:hiddenLine xmlns="" xmlns:a14="http://schemas.microsoft.com/office/drawing/2010/main" w="9525">
                   <a:solidFill>
                     <a:srgbClr val="000000"/>
                   </a:solidFill>
@@ -2001,7 +2012,7 @@
             </a:ln>
             <a:extLst>
               <a:ext uri="{91240B29-F687-4f45-9708-019B960494DF}">
-                <a14:hiddenLine xmlns:a14="http://schemas.microsoft.com/office/drawing/2010/main" xmlns="" w="9525">
+                <a14:hiddenLine xmlns="" xmlns:a14="http://schemas.microsoft.com/office/drawing/2010/main" w="9525">
                   <a:solidFill>
                     <a:srgbClr val="000000"/>
                   </a:solidFill>
@@ -2069,7 +2080,7 @@
             </a:ln>
             <a:extLst>
               <a:ext uri="{91240B29-F687-4f45-9708-019B960494DF}">
-                <a14:hiddenLine xmlns:a14="http://schemas.microsoft.com/office/drawing/2010/main" xmlns="" w="9525">
+                <a14:hiddenLine xmlns="" xmlns:a14="http://schemas.microsoft.com/office/drawing/2010/main" w="9525">
                   <a:solidFill>
                     <a:srgbClr val="000000"/>
                   </a:solidFill>
@@ -2159,7 +2170,7 @@
             </a:ln>
             <a:extLst>
               <a:ext uri="{91240B29-F687-4f45-9708-019B960494DF}">
-                <a14:hiddenLine xmlns:a14="http://schemas.microsoft.com/office/drawing/2010/main" xmlns="" w="9525">
+                <a14:hiddenLine xmlns="" xmlns:a14="http://schemas.microsoft.com/office/drawing/2010/main" w="9525">
                   <a:solidFill>
                     <a:srgbClr val="000000"/>
                   </a:solidFill>
@@ -2227,7 +2238,7 @@
             </a:ln>
             <a:extLst>
               <a:ext uri="{91240B29-F687-4f45-9708-019B960494DF}">
-                <a14:hiddenLine xmlns:a14="http://schemas.microsoft.com/office/drawing/2010/main" xmlns="" w="9525">
+                <a14:hiddenLine xmlns="" xmlns:a14="http://schemas.microsoft.com/office/drawing/2010/main" w="9525">
                   <a:solidFill>
                     <a:srgbClr val="000000"/>
                   </a:solidFill>
@@ -2317,7 +2328,7 @@
             </a:ln>
             <a:extLst>
               <a:ext uri="{91240B29-F687-4f45-9708-019B960494DF}">
-                <a14:hiddenLine xmlns:a14="http://schemas.microsoft.com/office/drawing/2010/main" xmlns="" w="9525">
+                <a14:hiddenLine xmlns="" xmlns:a14="http://schemas.microsoft.com/office/drawing/2010/main" w="9525">
                   <a:solidFill>
                     <a:srgbClr val="000000"/>
                   </a:solidFill>
@@ -2351,7 +2362,7 @@
             </a:ln>
             <a:extLst>
               <a:ext uri="{91240B29-F687-4f45-9708-019B960494DF}">
-                <a14:hiddenLine xmlns:a14="http://schemas.microsoft.com/office/drawing/2010/main" xmlns="" w="9525">
+                <a14:hiddenLine xmlns="" xmlns:a14="http://schemas.microsoft.com/office/drawing/2010/main" w="9525">
                   <a:solidFill>
                     <a:srgbClr val="000000"/>
                   </a:solidFill>
@@ -2441,7 +2452,7 @@
             </a:ln>
             <a:extLst>
               <a:ext uri="{91240B29-F687-4f45-9708-019B960494DF}">
-                <a14:hiddenLine xmlns:a14="http://schemas.microsoft.com/office/drawing/2010/main" xmlns="" w="9525">
+                <a14:hiddenLine xmlns="" xmlns:a14="http://schemas.microsoft.com/office/drawing/2010/main" w="9525">
                   <a:solidFill>
                     <a:srgbClr val="000000"/>
                   </a:solidFill>
@@ -2503,7 +2514,7 @@
             </a:ln>
             <a:extLst>
               <a:ext uri="{91240B29-F687-4f45-9708-019B960494DF}">
-                <a14:hiddenLine xmlns:a14="http://schemas.microsoft.com/office/drawing/2010/main" xmlns="" w="9525">
+                <a14:hiddenLine xmlns="" xmlns:a14="http://schemas.microsoft.com/office/drawing/2010/main" w="9525">
                   <a:solidFill>
                     <a:srgbClr val="000000"/>
                   </a:solidFill>
@@ -2565,7 +2576,7 @@
             </a:ln>
             <a:extLst>
               <a:ext uri="{91240B29-F687-4f45-9708-019B960494DF}">
-                <a14:hiddenLine xmlns:a14="http://schemas.microsoft.com/office/drawing/2010/main" xmlns="" w="9525">
+                <a14:hiddenLine xmlns="" xmlns:a14="http://schemas.microsoft.com/office/drawing/2010/main" w="9525">
                   <a:solidFill>
                     <a:srgbClr val="000000"/>
                   </a:solidFill>
@@ -2655,7 +2666,7 @@
             </a:ln>
             <a:extLst>
               <a:ext uri="{91240B29-F687-4f45-9708-019B960494DF}">
-                <a14:hiddenLine xmlns:a14="http://schemas.microsoft.com/office/drawing/2010/main" xmlns="" w="9525">
+                <a14:hiddenLine xmlns="" xmlns:a14="http://schemas.microsoft.com/office/drawing/2010/main" w="9525">
                   <a:solidFill>
                     <a:srgbClr val="000000"/>
                   </a:solidFill>
@@ -2723,7 +2734,7 @@
             </a:ln>
             <a:extLst>
               <a:ext uri="{91240B29-F687-4f45-9708-019B960494DF}">
-                <a14:hiddenLine xmlns:a14="http://schemas.microsoft.com/office/drawing/2010/main" xmlns="" w="9525">
+                <a14:hiddenLine xmlns="" xmlns:a14="http://schemas.microsoft.com/office/drawing/2010/main" w="9525">
                   <a:solidFill>
                     <a:srgbClr val="000000"/>
                   </a:solidFill>
@@ -2785,7 +2796,7 @@
             </a:ln>
             <a:extLst>
               <a:ext uri="{91240B29-F687-4f45-9708-019B960494DF}">
-                <a14:hiddenLine xmlns:a14="http://schemas.microsoft.com/office/drawing/2010/main" xmlns="" w="9525">
+                <a14:hiddenLine xmlns="" xmlns:a14="http://schemas.microsoft.com/office/drawing/2010/main" w="9525">
                   <a:solidFill>
                     <a:srgbClr val="000000"/>
                   </a:solidFill>
@@ -2875,7 +2886,7 @@
             </a:ln>
             <a:extLst>
               <a:ext uri="{91240B29-F687-4f45-9708-019B960494DF}">
-                <a14:hiddenLine xmlns:a14="http://schemas.microsoft.com/office/drawing/2010/main" xmlns="" w="9525">
+                <a14:hiddenLine xmlns="" xmlns:a14="http://schemas.microsoft.com/office/drawing/2010/main" w="9525">
                   <a:solidFill>
                     <a:srgbClr val="000000"/>
                   </a:solidFill>
@@ -2937,7 +2948,7 @@
             </a:ln>
             <a:extLst>
               <a:ext uri="{91240B29-F687-4f45-9708-019B960494DF}">
-                <a14:hiddenLine xmlns:a14="http://schemas.microsoft.com/office/drawing/2010/main" xmlns="" w="9525">
+                <a14:hiddenLine xmlns="" xmlns:a14="http://schemas.microsoft.com/office/drawing/2010/main" w="9525">
                   <a:solidFill>
                     <a:srgbClr val="000000"/>
                   </a:solidFill>
@@ -3027,7 +3038,7 @@
             </a:ln>
             <a:extLst>
               <a:ext uri="{91240B29-F687-4f45-9708-019B960494DF}">
-                <a14:hiddenLine xmlns:a14="http://schemas.microsoft.com/office/drawing/2010/main" xmlns="" w="9525">
+                <a14:hiddenLine xmlns="" xmlns:a14="http://schemas.microsoft.com/office/drawing/2010/main" w="9525">
                   <a:solidFill>
                     <a:srgbClr val="000000"/>
                   </a:solidFill>
@@ -3089,7 +3100,7 @@
             </a:ln>
             <a:extLst>
               <a:ext uri="{91240B29-F687-4f45-9708-019B960494DF}">
-                <a14:hiddenLine xmlns:a14="http://schemas.microsoft.com/office/drawing/2010/main" xmlns="" w="9525">
+                <a14:hiddenLine xmlns="" xmlns:a14="http://schemas.microsoft.com/office/drawing/2010/main" w="9525">
                   <a:solidFill>
                     <a:srgbClr val="000000"/>
                   </a:solidFill>
@@ -3179,7 +3190,7 @@
             </a:ln>
             <a:extLst>
               <a:ext uri="{91240B29-F687-4f45-9708-019B960494DF}">
-                <a14:hiddenLine xmlns:a14="http://schemas.microsoft.com/office/drawing/2010/main" xmlns="" w="9525">
+                <a14:hiddenLine xmlns="" xmlns:a14="http://schemas.microsoft.com/office/drawing/2010/main" w="9525">
                   <a:solidFill>
                     <a:srgbClr val="000000"/>
                   </a:solidFill>
@@ -3213,7 +3224,7 @@
             </a:ln>
             <a:extLst>
               <a:ext uri="{91240B29-F687-4f45-9708-019B960494DF}">
-                <a14:hiddenLine xmlns:a14="http://schemas.microsoft.com/office/drawing/2010/main" xmlns="" w="9525">
+                <a14:hiddenLine xmlns="" xmlns:a14="http://schemas.microsoft.com/office/drawing/2010/main" w="9525">
                   <a:solidFill>
                     <a:srgbClr val="000000"/>
                   </a:solidFill>
@@ -3278,7 +3289,7 @@
             </a:ln>
             <a:extLst>
               <a:ext uri="{91240B29-F687-4f45-9708-019B960494DF}">
-                <a14:hiddenLine xmlns:a14="http://schemas.microsoft.com/office/drawing/2010/main" xmlns="" w="9525">
+                <a14:hiddenLine xmlns="" xmlns:a14="http://schemas.microsoft.com/office/drawing/2010/main" w="9525">
                   <a:solidFill>
                     <a:srgbClr val="000000"/>
                   </a:solidFill>
@@ -3368,7 +3379,7 @@
             </a:ln>
             <a:extLst>
               <a:ext uri="{91240B29-F687-4f45-9708-019B960494DF}">
-                <a14:hiddenLine xmlns:a14="http://schemas.microsoft.com/office/drawing/2010/main" xmlns="" w="9525">
+                <a14:hiddenLine xmlns="" xmlns:a14="http://schemas.microsoft.com/office/drawing/2010/main" w="9525">
                   <a:solidFill>
                     <a:srgbClr val="000000"/>
                   </a:solidFill>
@@ -3430,7 +3441,7 @@
             </a:ln>
             <a:extLst>
               <a:ext uri="{91240B29-F687-4f45-9708-019B960494DF}">
-                <a14:hiddenLine xmlns:a14="http://schemas.microsoft.com/office/drawing/2010/main" xmlns="" w="9525">
+                <a14:hiddenLine xmlns="" xmlns:a14="http://schemas.microsoft.com/office/drawing/2010/main" w="9525">
                   <a:solidFill>
                     <a:srgbClr val="000000"/>
                   </a:solidFill>
@@ -3520,7 +3531,7 @@
             </a:ln>
             <a:extLst>
               <a:ext uri="{91240B29-F687-4f45-9708-019B960494DF}">
-                <a14:hiddenLine xmlns:a14="http://schemas.microsoft.com/office/drawing/2010/main" xmlns="" w="9525">
+                <a14:hiddenLine xmlns="" xmlns:a14="http://schemas.microsoft.com/office/drawing/2010/main" w="9525">
                   <a:solidFill>
                     <a:srgbClr val="000000"/>
                   </a:solidFill>
@@ -3610,7 +3621,7 @@
             </a:ln>
             <a:extLst>
               <a:ext uri="{91240B29-F687-4f45-9708-019B960494DF}">
-                <a14:hiddenLine xmlns:a14="http://schemas.microsoft.com/office/drawing/2010/main" xmlns="" w="9525">
+                <a14:hiddenLine xmlns="" xmlns:a14="http://schemas.microsoft.com/office/drawing/2010/main" w="9525">
                   <a:solidFill>
                     <a:srgbClr val="000000"/>
                   </a:solidFill>
@@ -3675,7 +3686,7 @@
             </a:ln>
             <a:extLst>
               <a:ext uri="{91240B29-F687-4f45-9708-019B960494DF}">
-                <a14:hiddenLine xmlns:a14="http://schemas.microsoft.com/office/drawing/2010/main" xmlns="" w="9525">
+                <a14:hiddenLine xmlns="" xmlns:a14="http://schemas.microsoft.com/office/drawing/2010/main" w="9525">
                   <a:solidFill>
                     <a:srgbClr val="000000"/>
                   </a:solidFill>
@@ -3737,7 +3748,7 @@
             </a:ln>
             <a:extLst>
               <a:ext uri="{91240B29-F687-4f45-9708-019B960494DF}">
-                <a14:hiddenLine xmlns:a14="http://schemas.microsoft.com/office/drawing/2010/main" xmlns="" w="9525">
+                <a14:hiddenLine xmlns="" xmlns:a14="http://schemas.microsoft.com/office/drawing/2010/main" w="9525">
                   <a:solidFill>
                     <a:srgbClr val="000000"/>
                   </a:solidFill>
@@ -3827,7 +3838,7 @@
             </a:ln>
             <a:extLst>
               <a:ext uri="{91240B29-F687-4f45-9708-019B960494DF}">
-                <a14:hiddenLine xmlns:a14="http://schemas.microsoft.com/office/drawing/2010/main" xmlns="" w="9525">
+                <a14:hiddenLine xmlns="" xmlns:a14="http://schemas.microsoft.com/office/drawing/2010/main" w="9525">
                   <a:solidFill>
                     <a:srgbClr val="000000"/>
                   </a:solidFill>
@@ -3917,7 +3928,7 @@
             </a:ln>
             <a:extLst>
               <a:ext uri="{91240B29-F687-4f45-9708-019B960494DF}">
-                <a14:hiddenLine xmlns:a14="http://schemas.microsoft.com/office/drawing/2010/main" xmlns="" w="9525">
+                <a14:hiddenLine xmlns="" xmlns:a14="http://schemas.microsoft.com/office/drawing/2010/main" w="9525">
                   <a:solidFill>
                     <a:srgbClr val="000000"/>
                   </a:solidFill>
@@ -3979,7 +3990,7 @@
             </a:ln>
             <a:extLst>
               <a:ext uri="{91240B29-F687-4f45-9708-019B960494DF}">
-                <a14:hiddenLine xmlns:a14="http://schemas.microsoft.com/office/drawing/2010/main" xmlns="" w="9525">
+                <a14:hiddenLine xmlns="" xmlns:a14="http://schemas.microsoft.com/office/drawing/2010/main" w="9525">
                   <a:solidFill>
                     <a:srgbClr val="000000"/>
                   </a:solidFill>
@@ -4099,7 +4110,7 @@
             </a:ln>
             <a:extLst>
               <a:ext uri="{91240B29-F687-4f45-9708-019B960494DF}">
-                <a14:hiddenLine xmlns:a14="http://schemas.microsoft.com/office/drawing/2010/main" xmlns="" w="9525">
+                <a14:hiddenLine xmlns="" xmlns:a14="http://schemas.microsoft.com/office/drawing/2010/main" w="9525">
                   <a:solidFill>
                     <a:srgbClr val="000000"/>
                   </a:solidFill>
@@ -4167,7 +4178,7 @@
             </a:ln>
             <a:extLst>
               <a:ext uri="{91240B29-F687-4f45-9708-019B960494DF}">
-                <a14:hiddenLine xmlns:a14="http://schemas.microsoft.com/office/drawing/2010/main" xmlns="" w="9525">
+                <a14:hiddenLine xmlns="" xmlns:a14="http://schemas.microsoft.com/office/drawing/2010/main" w="9525">
                   <a:solidFill>
                     <a:srgbClr val="000000"/>
                   </a:solidFill>
@@ -4257,7 +4268,7 @@
             </a:ln>
             <a:extLst>
               <a:ext uri="{91240B29-F687-4f45-9708-019B960494DF}">
-                <a14:hiddenLine xmlns:a14="http://schemas.microsoft.com/office/drawing/2010/main" xmlns="" w="9525">
+                <a14:hiddenLine xmlns="" xmlns:a14="http://schemas.microsoft.com/office/drawing/2010/main" w="9525">
                   <a:solidFill>
                     <a:srgbClr val="000000"/>
                   </a:solidFill>
@@ -8986,7 +8997,7 @@
           <a:noFill/>
           <a:extLst>
             <a:ext uri="{909E8E84-426E-40dd-AFC4-6F175D3DCCD1}">
-              <a14:hiddenFill xmlns:a14="http://schemas.microsoft.com/office/drawing/2010/main" xmlns="">
+              <a14:hiddenFill xmlns="" xmlns:a14="http://schemas.microsoft.com/office/drawing/2010/main">
                 <a:solidFill>
                   <a:srgbClr val="FFFFFF"/>
                 </a:solidFill>
@@ -9060,7 +9071,7 @@
               </a:ln>
               <a:extLst>
                 <a:ext uri="{91240B29-F687-4f45-9708-019B960494DF}">
-                  <a14:hiddenLine xmlns:a14="http://schemas.microsoft.com/office/drawing/2010/main" xmlns="" w="9525">
+                  <a14:hiddenLine xmlns="" xmlns:a14="http://schemas.microsoft.com/office/drawing/2010/main" w="9525">
                     <a:solidFill>
                       <a:srgbClr val="000000"/>
                     </a:solidFill>
@@ -9150,7 +9161,7 @@
               </a:ln>
               <a:extLst>
                 <a:ext uri="{91240B29-F687-4f45-9708-019B960494DF}">
-                  <a14:hiddenLine xmlns:a14="http://schemas.microsoft.com/office/drawing/2010/main" xmlns="" w="9525">
+                  <a14:hiddenLine xmlns="" xmlns:a14="http://schemas.microsoft.com/office/drawing/2010/main" w="9525">
                     <a:solidFill>
                       <a:srgbClr val="000000"/>
                     </a:solidFill>
@@ -9240,7 +9251,7 @@
               </a:ln>
               <a:extLst>
                 <a:ext uri="{91240B29-F687-4f45-9708-019B960494DF}">
-                  <a14:hiddenLine xmlns:a14="http://schemas.microsoft.com/office/drawing/2010/main" xmlns="" w="9525">
+                  <a14:hiddenLine xmlns="" xmlns:a14="http://schemas.microsoft.com/office/drawing/2010/main" w="9525">
                     <a:solidFill>
                       <a:srgbClr val="000000"/>
                     </a:solidFill>
@@ -9302,7 +9313,7 @@
               </a:ln>
               <a:extLst>
                 <a:ext uri="{91240B29-F687-4f45-9708-019B960494DF}">
-                  <a14:hiddenLine xmlns:a14="http://schemas.microsoft.com/office/drawing/2010/main" xmlns="" w="9525">
+                  <a14:hiddenLine xmlns="" xmlns:a14="http://schemas.microsoft.com/office/drawing/2010/main" w="9525">
                     <a:solidFill>
                       <a:srgbClr val="000000"/>
                     </a:solidFill>
@@ -9392,7 +9403,7 @@
               </a:ln>
               <a:extLst>
                 <a:ext uri="{91240B29-F687-4f45-9708-019B960494DF}">
-                  <a14:hiddenLine xmlns:a14="http://schemas.microsoft.com/office/drawing/2010/main" xmlns="" w="9525">
+                  <a14:hiddenLine xmlns="" xmlns:a14="http://schemas.microsoft.com/office/drawing/2010/main" w="9525">
                     <a:solidFill>
                       <a:srgbClr val="000000"/>
                     </a:solidFill>
@@ -9454,7 +9465,7 @@
               </a:ln>
               <a:extLst>
                 <a:ext uri="{91240B29-F687-4f45-9708-019B960494DF}">
-                  <a14:hiddenLine xmlns:a14="http://schemas.microsoft.com/office/drawing/2010/main" xmlns="" w="9525">
+                  <a14:hiddenLine xmlns="" xmlns:a14="http://schemas.microsoft.com/office/drawing/2010/main" w="9525">
                     <a:solidFill>
                       <a:srgbClr val="000000"/>
                     </a:solidFill>
@@ -9516,7 +9527,7 @@
               </a:ln>
               <a:extLst>
                 <a:ext uri="{91240B29-F687-4f45-9708-019B960494DF}">
-                  <a14:hiddenLine xmlns:a14="http://schemas.microsoft.com/office/drawing/2010/main" xmlns="" w="9525">
+                  <a14:hiddenLine xmlns="" xmlns:a14="http://schemas.microsoft.com/office/drawing/2010/main" w="9525">
                     <a:solidFill>
                       <a:srgbClr val="000000"/>
                     </a:solidFill>
@@ -9606,7 +9617,7 @@
               </a:ln>
               <a:extLst>
                 <a:ext uri="{91240B29-F687-4f45-9708-019B960494DF}">
-                  <a14:hiddenLine xmlns:a14="http://schemas.microsoft.com/office/drawing/2010/main" xmlns="" w="9525">
+                  <a14:hiddenLine xmlns="" xmlns:a14="http://schemas.microsoft.com/office/drawing/2010/main" w="9525">
                     <a:solidFill>
                       <a:srgbClr val="000000"/>
                     </a:solidFill>
@@ -9696,7 +9707,7 @@
               </a:ln>
               <a:extLst>
                 <a:ext uri="{91240B29-F687-4f45-9708-019B960494DF}">
-                  <a14:hiddenLine xmlns:a14="http://schemas.microsoft.com/office/drawing/2010/main" xmlns="" w="9525">
+                  <a14:hiddenLine xmlns="" xmlns:a14="http://schemas.microsoft.com/office/drawing/2010/main" w="9525">
                     <a:solidFill>
                       <a:srgbClr val="000000"/>
                     </a:solidFill>
@@ -9758,7 +9769,7 @@
               </a:ln>
               <a:extLst>
                 <a:ext uri="{91240B29-F687-4f45-9708-019B960494DF}">
-                  <a14:hiddenLine xmlns:a14="http://schemas.microsoft.com/office/drawing/2010/main" xmlns="" w="9525">
+                  <a14:hiddenLine xmlns="" xmlns:a14="http://schemas.microsoft.com/office/drawing/2010/main" w="9525">
                     <a:solidFill>
                       <a:srgbClr val="000000"/>
                     </a:solidFill>
@@ -9868,7 +9879,7 @@
               </a:ln>
               <a:extLst>
                 <a:ext uri="{91240B29-F687-4f45-9708-019B960494DF}">
-                  <a14:hiddenLine xmlns:a14="http://schemas.microsoft.com/office/drawing/2010/main" xmlns="" w="9525">
+                  <a14:hiddenLine xmlns="" xmlns:a14="http://schemas.microsoft.com/office/drawing/2010/main" w="9525">
                     <a:solidFill>
                       <a:srgbClr val="000000"/>
                     </a:solidFill>
@@ -9952,7 +9963,7 @@
               </a:ln>
               <a:extLst>
                 <a:ext uri="{91240B29-F687-4f45-9708-019B960494DF}">
-                  <a14:hiddenLine xmlns:a14="http://schemas.microsoft.com/office/drawing/2010/main" xmlns="" w="9525">
+                  <a14:hiddenLine xmlns="" xmlns:a14="http://schemas.microsoft.com/office/drawing/2010/main" w="9525">
                     <a:solidFill>
                       <a:srgbClr val="000000"/>
                     </a:solidFill>
@@ -10014,7 +10025,7 @@
               </a:ln>
               <a:extLst>
                 <a:ext uri="{91240B29-F687-4f45-9708-019B960494DF}">
-                  <a14:hiddenLine xmlns:a14="http://schemas.microsoft.com/office/drawing/2010/main" xmlns="" w="9525">
+                  <a14:hiddenLine xmlns="" xmlns:a14="http://schemas.microsoft.com/office/drawing/2010/main" w="9525">
                     <a:solidFill>
                       <a:srgbClr val="000000"/>
                     </a:solidFill>
@@ -10076,7 +10087,7 @@
               </a:ln>
               <a:extLst>
                 <a:ext uri="{91240B29-F687-4f45-9708-019B960494DF}">
-                  <a14:hiddenLine xmlns:a14="http://schemas.microsoft.com/office/drawing/2010/main" xmlns="" w="9525">
+                  <a14:hiddenLine xmlns="" xmlns:a14="http://schemas.microsoft.com/office/drawing/2010/main" w="9525">
                     <a:solidFill>
                       <a:srgbClr val="000000"/>
                     </a:solidFill>
@@ -10166,7 +10177,7 @@
               </a:ln>
               <a:extLst>
                 <a:ext uri="{91240B29-F687-4f45-9708-019B960494DF}">
-                  <a14:hiddenLine xmlns:a14="http://schemas.microsoft.com/office/drawing/2010/main" xmlns="" w="9525">
+                  <a14:hiddenLine xmlns="" xmlns:a14="http://schemas.microsoft.com/office/drawing/2010/main" w="9525">
                     <a:solidFill>
                       <a:srgbClr val="000000"/>
                     </a:solidFill>
@@ -10200,7 +10211,7 @@
               </a:ln>
               <a:extLst>
                 <a:ext uri="{91240B29-F687-4f45-9708-019B960494DF}">
-                  <a14:hiddenLine xmlns:a14="http://schemas.microsoft.com/office/drawing/2010/main" xmlns="" w="9525">
+                  <a14:hiddenLine xmlns="" xmlns:a14="http://schemas.microsoft.com/office/drawing/2010/main" w="9525">
                     <a:solidFill>
                       <a:srgbClr val="000000"/>
                     </a:solidFill>
@@ -10265,7 +10276,7 @@
               </a:ln>
               <a:extLst>
                 <a:ext uri="{91240B29-F687-4f45-9708-019B960494DF}">
-                  <a14:hiddenLine xmlns:a14="http://schemas.microsoft.com/office/drawing/2010/main" xmlns="" w="9525">
+                  <a14:hiddenLine xmlns="" xmlns:a14="http://schemas.microsoft.com/office/drawing/2010/main" w="9525">
                     <a:solidFill>
                       <a:srgbClr val="000000"/>
                     </a:solidFill>
@@ -10355,7 +10366,7 @@
               </a:ln>
               <a:extLst>
                 <a:ext uri="{91240B29-F687-4f45-9708-019B960494DF}">
-                  <a14:hiddenLine xmlns:a14="http://schemas.microsoft.com/office/drawing/2010/main" xmlns="" w="9525">
+                  <a14:hiddenLine xmlns="" xmlns:a14="http://schemas.microsoft.com/office/drawing/2010/main" w="9525">
                     <a:solidFill>
                       <a:srgbClr val="000000"/>
                     </a:solidFill>
@@ -10417,7 +10428,7 @@
               </a:ln>
               <a:extLst>
                 <a:ext uri="{91240B29-F687-4f45-9708-019B960494DF}">
-                  <a14:hiddenLine xmlns:a14="http://schemas.microsoft.com/office/drawing/2010/main" xmlns="" w="9525">
+                  <a14:hiddenLine xmlns="" xmlns:a14="http://schemas.microsoft.com/office/drawing/2010/main" w="9525">
                     <a:solidFill>
                       <a:srgbClr val="000000"/>
                     </a:solidFill>
@@ -10507,7 +10518,7 @@
               </a:ln>
               <a:extLst>
                 <a:ext uri="{91240B29-F687-4f45-9708-019B960494DF}">
-                  <a14:hiddenLine xmlns:a14="http://schemas.microsoft.com/office/drawing/2010/main" xmlns="" w="9525">
+                  <a14:hiddenLine xmlns="" xmlns:a14="http://schemas.microsoft.com/office/drawing/2010/main" w="9525">
                     <a:solidFill>
                       <a:srgbClr val="000000"/>
                     </a:solidFill>
@@ -10572,7 +10583,7 @@
               </a:ln>
               <a:extLst>
                 <a:ext uri="{91240B29-F687-4f45-9708-019B960494DF}">
-                  <a14:hiddenLine xmlns:a14="http://schemas.microsoft.com/office/drawing/2010/main" xmlns="" w="9525">
+                  <a14:hiddenLine xmlns="" xmlns:a14="http://schemas.microsoft.com/office/drawing/2010/main" w="9525">
                     <a:solidFill>
                       <a:srgbClr val="000000"/>
                     </a:solidFill>
@@ -10634,7 +10645,7 @@
               </a:ln>
               <a:extLst>
                 <a:ext uri="{91240B29-F687-4f45-9708-019B960494DF}">
-                  <a14:hiddenLine xmlns:a14="http://schemas.microsoft.com/office/drawing/2010/main" xmlns="" w="9525">
+                  <a14:hiddenLine xmlns="" xmlns:a14="http://schemas.microsoft.com/office/drawing/2010/main" w="9525">
                     <a:solidFill>
                       <a:srgbClr val="000000"/>
                     </a:solidFill>
@@ -10724,7 +10735,7 @@
               </a:ln>
               <a:extLst>
                 <a:ext uri="{91240B29-F687-4f45-9708-019B960494DF}">
-                  <a14:hiddenLine xmlns:a14="http://schemas.microsoft.com/office/drawing/2010/main" xmlns="" w="9525">
+                  <a14:hiddenLine xmlns="" xmlns:a14="http://schemas.microsoft.com/office/drawing/2010/main" w="9525">
                     <a:solidFill>
                       <a:srgbClr val="000000"/>
                     </a:solidFill>
@@ -10814,7 +10825,7 @@
               </a:ln>
               <a:extLst>
                 <a:ext uri="{91240B29-F687-4f45-9708-019B960494DF}">
-                  <a14:hiddenLine xmlns:a14="http://schemas.microsoft.com/office/drawing/2010/main" xmlns="" w="9525">
+                  <a14:hiddenLine xmlns="" xmlns:a14="http://schemas.microsoft.com/office/drawing/2010/main" w="9525">
                     <a:solidFill>
                       <a:srgbClr val="000000"/>
                     </a:solidFill>
@@ -10879,7 +10890,7 @@
               </a:ln>
               <a:extLst>
                 <a:ext uri="{91240B29-F687-4f45-9708-019B960494DF}">
-                  <a14:hiddenLine xmlns:a14="http://schemas.microsoft.com/office/drawing/2010/main" xmlns="" w="9525">
+                  <a14:hiddenLine xmlns="" xmlns:a14="http://schemas.microsoft.com/office/drawing/2010/main" w="9525">
                     <a:solidFill>
                       <a:srgbClr val="000000"/>
                     </a:solidFill>
@@ -10999,7 +11010,7 @@
               </a:ln>
               <a:extLst>
                 <a:ext uri="{91240B29-F687-4f45-9708-019B960494DF}">
-                  <a14:hiddenLine xmlns:a14="http://schemas.microsoft.com/office/drawing/2010/main" xmlns="" w="9525">
+                  <a14:hiddenLine xmlns="" xmlns:a14="http://schemas.microsoft.com/office/drawing/2010/main" w="9525">
                     <a:solidFill>
                       <a:srgbClr val="000000"/>
                     </a:solidFill>
@@ -11080,7 +11091,7 @@
               </a:ln>
               <a:extLst>
                 <a:ext uri="{91240B29-F687-4f45-9708-019B960494DF}">
-                  <a14:hiddenLine xmlns:a14="http://schemas.microsoft.com/office/drawing/2010/main" xmlns="" w="9525">
+                  <a14:hiddenLine xmlns="" xmlns:a14="http://schemas.microsoft.com/office/drawing/2010/main" w="9525">
                     <a:solidFill>
                       <a:srgbClr val="000000"/>
                     </a:solidFill>
@@ -11195,7 +11206,7 @@
               </a:ln>
               <a:extLst>
                 <a:ext uri="{91240B29-F687-4f45-9708-019B960494DF}">
-                  <a14:hiddenLine xmlns:a14="http://schemas.microsoft.com/office/drawing/2010/main" xmlns="" w="9525">
+                  <a14:hiddenLine xmlns="" xmlns:a14="http://schemas.microsoft.com/office/drawing/2010/main" w="9525">
                     <a:solidFill>
                       <a:srgbClr val="000000"/>
                     </a:solidFill>
@@ -11285,7 +11296,7 @@
               </a:ln>
               <a:extLst>
                 <a:ext uri="{91240B29-F687-4f45-9708-019B960494DF}">
-                  <a14:hiddenLine xmlns:a14="http://schemas.microsoft.com/office/drawing/2010/main" xmlns="" w="9525">
+                  <a14:hiddenLine xmlns="" xmlns:a14="http://schemas.microsoft.com/office/drawing/2010/main" w="9525">
                     <a:solidFill>
                       <a:srgbClr val="000000"/>
                     </a:solidFill>
@@ -11350,7 +11361,7 @@
               </a:ln>
               <a:extLst>
                 <a:ext uri="{91240B29-F687-4f45-9708-019B960494DF}">
-                  <a14:hiddenLine xmlns:a14="http://schemas.microsoft.com/office/drawing/2010/main" xmlns="" w="9525">
+                  <a14:hiddenLine xmlns="" xmlns:a14="http://schemas.microsoft.com/office/drawing/2010/main" w="9525">
                     <a:solidFill>
                       <a:srgbClr val="000000"/>
                     </a:solidFill>
@@ -11440,7 +11451,7 @@
               </a:ln>
               <a:extLst>
                 <a:ext uri="{91240B29-F687-4f45-9708-019B960494DF}">
-                  <a14:hiddenLine xmlns:a14="http://schemas.microsoft.com/office/drawing/2010/main" xmlns="" w="9525">
+                  <a14:hiddenLine xmlns="" xmlns:a14="http://schemas.microsoft.com/office/drawing/2010/main" w="9525">
                     <a:solidFill>
                       <a:srgbClr val="000000"/>
                     </a:solidFill>
@@ -11508,7 +11519,7 @@
               </a:ln>
               <a:extLst>
                 <a:ext uri="{91240B29-F687-4f45-9708-019B960494DF}">
-                  <a14:hiddenLine xmlns:a14="http://schemas.microsoft.com/office/drawing/2010/main" xmlns="" w="9525">
+                  <a14:hiddenLine xmlns="" xmlns:a14="http://schemas.microsoft.com/office/drawing/2010/main" w="9525">
                     <a:solidFill>
                       <a:srgbClr val="000000"/>
                     </a:solidFill>
@@ -11598,7 +11609,7 @@
               </a:ln>
               <a:extLst>
                 <a:ext uri="{91240B29-F687-4f45-9708-019B960494DF}">
-                  <a14:hiddenLine xmlns:a14="http://schemas.microsoft.com/office/drawing/2010/main" xmlns="" w="9525">
+                  <a14:hiddenLine xmlns="" xmlns:a14="http://schemas.microsoft.com/office/drawing/2010/main" w="9525">
                     <a:solidFill>
                       <a:srgbClr val="000000"/>
                     </a:solidFill>
@@ -11666,7 +11677,7 @@
               </a:ln>
               <a:extLst>
                 <a:ext uri="{91240B29-F687-4f45-9708-019B960494DF}">
-                  <a14:hiddenLine xmlns:a14="http://schemas.microsoft.com/office/drawing/2010/main" xmlns="" w="9525">
+                  <a14:hiddenLine xmlns="" xmlns:a14="http://schemas.microsoft.com/office/drawing/2010/main" w="9525">
                     <a:solidFill>
                       <a:srgbClr val="000000"/>
                     </a:solidFill>
@@ -11756,7 +11767,7 @@
               </a:ln>
               <a:extLst>
                 <a:ext uri="{91240B29-F687-4f45-9708-019B960494DF}">
-                  <a14:hiddenLine xmlns:a14="http://schemas.microsoft.com/office/drawing/2010/main" xmlns="" w="9525">
+                  <a14:hiddenLine xmlns="" xmlns:a14="http://schemas.microsoft.com/office/drawing/2010/main" w="9525">
                     <a:solidFill>
                       <a:srgbClr val="000000"/>
                     </a:solidFill>
@@ -11790,7 +11801,7 @@
               </a:ln>
               <a:extLst>
                 <a:ext uri="{91240B29-F687-4f45-9708-019B960494DF}">
-                  <a14:hiddenLine xmlns:a14="http://schemas.microsoft.com/office/drawing/2010/main" xmlns="" w="9525">
+                  <a14:hiddenLine xmlns="" xmlns:a14="http://schemas.microsoft.com/office/drawing/2010/main" w="9525">
                     <a:solidFill>
                       <a:srgbClr val="000000"/>
                     </a:solidFill>
@@ -12410,6 +12421,691 @@
 </p:sld>
 </file>
 
+<file path=ppt/slides/slide10.xml><?xml version="1.0" encoding="utf-8"?>
+<p:sld xmlns:a="http://schemas.openxmlformats.org/drawingml/2006/main" xmlns:r="http://schemas.openxmlformats.org/officeDocument/2006/relationships" xmlns:p="http://schemas.openxmlformats.org/presentationml/2006/main">
+  <p:cSld>
+    <p:spTree>
+      <p:nvGrpSpPr>
+        <p:cNvPr id="1" name=""/>
+        <p:cNvGrpSpPr/>
+        <p:nvPr/>
+      </p:nvGrpSpPr>
+      <p:grpSpPr>
+        <a:xfrm>
+          <a:off x="0" y="0"/>
+          <a:ext cx="0" cy="0"/>
+          <a:chOff x="0" y="0"/>
+          <a:chExt cx="0" cy="0"/>
+        </a:xfrm>
+      </p:grpSpPr>
+      <p:sp>
+        <p:nvSpPr>
+          <p:cNvPr id="2" name="Title 1">
+            <a:extLst>
+              <a:ext uri="{FF2B5EF4-FFF2-40B4-BE49-F238E27FC236}">
+                <a16:creationId xmlns:a16="http://schemas.microsoft.com/office/drawing/2014/main" id="{1A383F4F-7B3B-6C64-21F6-716C49B89111}"/>
+              </a:ext>
+            </a:extLst>
+          </p:cNvPr>
+          <p:cNvSpPr>
+            <a:spLocks noGrp="1"/>
+          </p:cNvSpPr>
+          <p:nvPr>
+            <p:ph type="title"/>
+          </p:nvPr>
+        </p:nvSpPr>
+        <p:spPr/>
+        <p:txBody>
+          <a:bodyPr>
+            <a:normAutofit fontScale="90000"/>
+          </a:bodyPr>
+          <a:lstStyle/>
+          <a:p>
+            <a:r>
+              <a:rPr lang="en-US" dirty="0"/>
+              <a:t>Successful Projects with Goals of </a:t>
+            </a:r>
+            <a:br>
+              <a:rPr lang="en-US" dirty="0"/>
+            </a:br>
+            <a:r>
+              <a:rPr lang="en-US" dirty="0"/>
+              <a:t>$2,000 - $4,999</a:t>
+            </a:r>
+            <a:br>
+              <a:rPr lang="en-US" dirty="0"/>
+            </a:br>
+            <a:r>
+              <a:rPr lang="en-US" dirty="0"/>
+              <a:t>(45% success rate)</a:t>
+            </a:r>
+          </a:p>
+        </p:txBody>
+      </p:sp>
+      <p:sp>
+        <p:nvSpPr>
+          <p:cNvPr id="3" name="Content Placeholder 2">
+            <a:extLst>
+              <a:ext uri="{FF2B5EF4-FFF2-40B4-BE49-F238E27FC236}">
+                <a16:creationId xmlns:a16="http://schemas.microsoft.com/office/drawing/2014/main" id="{9FD7F0AD-4382-3E7C-B0C5-A668C596E373}"/>
+              </a:ext>
+            </a:extLst>
+          </p:cNvPr>
+          <p:cNvSpPr>
+            <a:spLocks noGrp="1"/>
+          </p:cNvSpPr>
+          <p:nvPr>
+            <p:ph idx="1"/>
+          </p:nvPr>
+        </p:nvSpPr>
+        <p:spPr/>
+        <p:txBody>
+          <a:bodyPr/>
+          <a:lstStyle/>
+          <a:p>
+            <a:r>
+              <a:rPr lang="en-US" dirty="0"/>
+              <a:t>optimal backers for success: 20-99</a:t>
+            </a:r>
+          </a:p>
+          <a:p>
+            <a:r>
+              <a:rPr lang="en-US" dirty="0"/>
+              <a:t>optimal length for success: 15-59 days</a:t>
+            </a:r>
+          </a:p>
+        </p:txBody>
+      </p:sp>
+    </p:spTree>
+    <p:extLst>
+      <p:ext uri="{BB962C8B-B14F-4D97-AF65-F5344CB8AC3E}">
+        <p14:creationId xmlns:p14="http://schemas.microsoft.com/office/powerpoint/2010/main" val="2570676211"/>
+      </p:ext>
+    </p:extLst>
+  </p:cSld>
+  <p:clrMapOvr>
+    <a:masterClrMapping/>
+  </p:clrMapOvr>
+</p:sld>
+</file>
+
+<file path=ppt/slides/slide11.xml><?xml version="1.0" encoding="utf-8"?>
+<p:sld xmlns:a="http://schemas.openxmlformats.org/drawingml/2006/main" xmlns:r="http://schemas.openxmlformats.org/officeDocument/2006/relationships" xmlns:p="http://schemas.openxmlformats.org/presentationml/2006/main">
+  <p:cSld>
+    <p:spTree>
+      <p:nvGrpSpPr>
+        <p:cNvPr id="1" name=""/>
+        <p:cNvGrpSpPr/>
+        <p:nvPr/>
+      </p:nvGrpSpPr>
+      <p:grpSpPr>
+        <a:xfrm>
+          <a:off x="0" y="0"/>
+          <a:ext cx="0" cy="0"/>
+          <a:chOff x="0" y="0"/>
+          <a:chExt cx="0" cy="0"/>
+        </a:xfrm>
+      </p:grpSpPr>
+      <p:sp>
+        <p:nvSpPr>
+          <p:cNvPr id="2" name="Title 1">
+            <a:extLst>
+              <a:ext uri="{FF2B5EF4-FFF2-40B4-BE49-F238E27FC236}">
+                <a16:creationId xmlns:a16="http://schemas.microsoft.com/office/drawing/2014/main" id="{1A383F4F-7B3B-6C64-21F6-716C49B89111}"/>
+              </a:ext>
+            </a:extLst>
+          </p:cNvPr>
+          <p:cNvSpPr>
+            <a:spLocks noGrp="1"/>
+          </p:cNvSpPr>
+          <p:nvPr>
+            <p:ph type="title"/>
+          </p:nvPr>
+        </p:nvSpPr>
+        <p:spPr/>
+        <p:txBody>
+          <a:bodyPr>
+            <a:normAutofit fontScale="90000"/>
+          </a:bodyPr>
+          <a:lstStyle/>
+          <a:p>
+            <a:r>
+              <a:rPr lang="en-US" dirty="0"/>
+              <a:t>Successful Projects with Goals of </a:t>
+            </a:r>
+            <a:br>
+              <a:rPr lang="en-US" dirty="0"/>
+            </a:br>
+            <a:r>
+              <a:rPr lang="en-US" dirty="0"/>
+              <a:t>$5,000 - $14,999</a:t>
+            </a:r>
+            <a:br>
+              <a:rPr lang="en-US" dirty="0"/>
+            </a:br>
+            <a:r>
+              <a:rPr lang="en-US" dirty="0"/>
+              <a:t>(38% success rate)</a:t>
+            </a:r>
+          </a:p>
+        </p:txBody>
+      </p:sp>
+      <p:sp>
+        <p:nvSpPr>
+          <p:cNvPr id="3" name="Content Placeholder 2">
+            <a:extLst>
+              <a:ext uri="{FF2B5EF4-FFF2-40B4-BE49-F238E27FC236}">
+                <a16:creationId xmlns:a16="http://schemas.microsoft.com/office/drawing/2014/main" id="{9FD7F0AD-4382-3E7C-B0C5-A668C596E373}"/>
+              </a:ext>
+            </a:extLst>
+          </p:cNvPr>
+          <p:cNvSpPr>
+            <a:spLocks noGrp="1"/>
+          </p:cNvSpPr>
+          <p:nvPr>
+            <p:ph idx="1"/>
+          </p:nvPr>
+        </p:nvSpPr>
+        <p:spPr/>
+        <p:txBody>
+          <a:bodyPr/>
+          <a:lstStyle/>
+          <a:p>
+            <a:r>
+              <a:rPr lang="en-US" dirty="0"/>
+              <a:t>optimal backers for success: 60-150</a:t>
+            </a:r>
+          </a:p>
+          <a:p>
+            <a:r>
+              <a:rPr lang="en-US" dirty="0"/>
+              <a:t>optimal length for success: 15-59</a:t>
+            </a:r>
+          </a:p>
+        </p:txBody>
+      </p:sp>
+    </p:spTree>
+    <p:extLst>
+      <p:ext uri="{BB962C8B-B14F-4D97-AF65-F5344CB8AC3E}">
+        <p14:creationId xmlns:p14="http://schemas.microsoft.com/office/powerpoint/2010/main" val="985774260"/>
+      </p:ext>
+    </p:extLst>
+  </p:cSld>
+  <p:clrMapOvr>
+    <a:masterClrMapping/>
+  </p:clrMapOvr>
+</p:sld>
+</file>
+
+<file path=ppt/slides/slide12.xml><?xml version="1.0" encoding="utf-8"?>
+<p:sld xmlns:a="http://schemas.openxmlformats.org/drawingml/2006/main" xmlns:r="http://schemas.openxmlformats.org/officeDocument/2006/relationships" xmlns:p="http://schemas.openxmlformats.org/presentationml/2006/main">
+  <p:cSld>
+    <p:spTree>
+      <p:nvGrpSpPr>
+        <p:cNvPr id="1" name=""/>
+        <p:cNvGrpSpPr/>
+        <p:nvPr/>
+      </p:nvGrpSpPr>
+      <p:grpSpPr>
+        <a:xfrm>
+          <a:off x="0" y="0"/>
+          <a:ext cx="0" cy="0"/>
+          <a:chOff x="0" y="0"/>
+          <a:chExt cx="0" cy="0"/>
+        </a:xfrm>
+      </p:grpSpPr>
+      <p:sp>
+        <p:nvSpPr>
+          <p:cNvPr id="2" name="Title 1">
+            <a:extLst>
+              <a:ext uri="{FF2B5EF4-FFF2-40B4-BE49-F238E27FC236}">
+                <a16:creationId xmlns:a16="http://schemas.microsoft.com/office/drawing/2014/main" id="{1A383F4F-7B3B-6C64-21F6-716C49B89111}"/>
+              </a:ext>
+            </a:extLst>
+          </p:cNvPr>
+          <p:cNvSpPr>
+            <a:spLocks noGrp="1"/>
+          </p:cNvSpPr>
+          <p:nvPr>
+            <p:ph type="title"/>
+          </p:nvPr>
+        </p:nvSpPr>
+        <p:spPr/>
+        <p:txBody>
+          <a:bodyPr>
+            <a:normAutofit fontScale="90000"/>
+          </a:bodyPr>
+          <a:lstStyle/>
+          <a:p>
+            <a:r>
+              <a:rPr lang="en-US" dirty="0"/>
+              <a:t>Successful Projects with Goals of </a:t>
+            </a:r>
+            <a:br>
+              <a:rPr lang="en-US" dirty="0"/>
+            </a:br>
+            <a:r>
+              <a:rPr lang="en-US" dirty="0"/>
+              <a:t>$15,000 - $29,999</a:t>
+            </a:r>
+            <a:br>
+              <a:rPr lang="en-US" dirty="0"/>
+            </a:br>
+            <a:r>
+              <a:rPr lang="en-US" dirty="0"/>
+              <a:t>(28% success rate)</a:t>
+            </a:r>
+          </a:p>
+        </p:txBody>
+      </p:sp>
+      <p:sp>
+        <p:nvSpPr>
+          <p:cNvPr id="3" name="Content Placeholder 2">
+            <a:extLst>
+              <a:ext uri="{FF2B5EF4-FFF2-40B4-BE49-F238E27FC236}">
+                <a16:creationId xmlns:a16="http://schemas.microsoft.com/office/drawing/2014/main" id="{9FD7F0AD-4382-3E7C-B0C5-A668C596E373}"/>
+              </a:ext>
+            </a:extLst>
+          </p:cNvPr>
+          <p:cNvSpPr>
+            <a:spLocks noGrp="1"/>
+          </p:cNvSpPr>
+          <p:nvPr>
+            <p:ph idx="1"/>
+          </p:nvPr>
+        </p:nvSpPr>
+        <p:spPr/>
+        <p:txBody>
+          <a:bodyPr/>
+          <a:lstStyle/>
+          <a:p>
+            <a:r>
+              <a:rPr lang="en-US" dirty="0"/>
+              <a:t>optimal backers for success: 60-150</a:t>
+            </a:r>
+          </a:p>
+          <a:p>
+            <a:r>
+              <a:rPr lang="en-US" dirty="0"/>
+              <a:t>optimal length for success: 15-59</a:t>
+            </a:r>
+          </a:p>
+        </p:txBody>
+      </p:sp>
+    </p:spTree>
+    <p:extLst>
+      <p:ext uri="{BB962C8B-B14F-4D97-AF65-F5344CB8AC3E}">
+        <p14:creationId xmlns:p14="http://schemas.microsoft.com/office/powerpoint/2010/main" val="2743437723"/>
+      </p:ext>
+    </p:extLst>
+  </p:cSld>
+  <p:clrMapOvr>
+    <a:masterClrMapping/>
+  </p:clrMapOvr>
+</p:sld>
+</file>
+
+<file path=ppt/slides/slide13.xml><?xml version="1.0" encoding="utf-8"?>
+<p:sld xmlns:a="http://schemas.openxmlformats.org/drawingml/2006/main" xmlns:r="http://schemas.openxmlformats.org/officeDocument/2006/relationships" xmlns:p="http://schemas.openxmlformats.org/presentationml/2006/main">
+  <p:cSld>
+    <p:spTree>
+      <p:nvGrpSpPr>
+        <p:cNvPr id="1" name=""/>
+        <p:cNvGrpSpPr/>
+        <p:nvPr/>
+      </p:nvGrpSpPr>
+      <p:grpSpPr>
+        <a:xfrm>
+          <a:off x="0" y="0"/>
+          <a:ext cx="0" cy="0"/>
+          <a:chOff x="0" y="0"/>
+          <a:chExt cx="0" cy="0"/>
+        </a:xfrm>
+      </p:grpSpPr>
+      <p:sp>
+        <p:nvSpPr>
+          <p:cNvPr id="2" name="Title 1">
+            <a:extLst>
+              <a:ext uri="{FF2B5EF4-FFF2-40B4-BE49-F238E27FC236}">
+                <a16:creationId xmlns:a16="http://schemas.microsoft.com/office/drawing/2014/main" id="{1A383F4F-7B3B-6C64-21F6-716C49B89111}"/>
+              </a:ext>
+            </a:extLst>
+          </p:cNvPr>
+          <p:cNvSpPr>
+            <a:spLocks noGrp="1"/>
+          </p:cNvSpPr>
+          <p:nvPr>
+            <p:ph type="title"/>
+          </p:nvPr>
+        </p:nvSpPr>
+        <p:spPr/>
+        <p:txBody>
+          <a:bodyPr>
+            <a:normAutofit fontScale="90000"/>
+          </a:bodyPr>
+          <a:lstStyle/>
+          <a:p>
+            <a:r>
+              <a:rPr lang="en-US" dirty="0"/>
+              <a:t>Successful Projects with Goals of </a:t>
+            </a:r>
+            <a:br>
+              <a:rPr lang="en-US" dirty="0"/>
+            </a:br>
+            <a:r>
+              <a:rPr lang="en-US" dirty="0"/>
+              <a:t>$30,000+</a:t>
+            </a:r>
+            <a:br>
+              <a:rPr lang="en-US" dirty="0"/>
+            </a:br>
+            <a:r>
+              <a:rPr lang="en-US" dirty="0"/>
+              <a:t>(14% success rate)</a:t>
+            </a:r>
+          </a:p>
+        </p:txBody>
+      </p:sp>
+      <p:sp>
+        <p:nvSpPr>
+          <p:cNvPr id="3" name="Content Placeholder 2">
+            <a:extLst>
+              <a:ext uri="{FF2B5EF4-FFF2-40B4-BE49-F238E27FC236}">
+                <a16:creationId xmlns:a16="http://schemas.microsoft.com/office/drawing/2014/main" id="{9FD7F0AD-4382-3E7C-B0C5-A668C596E373}"/>
+              </a:ext>
+            </a:extLst>
+          </p:cNvPr>
+          <p:cNvSpPr>
+            <a:spLocks noGrp="1"/>
+          </p:cNvSpPr>
+          <p:nvPr>
+            <p:ph idx="1"/>
+          </p:nvPr>
+        </p:nvSpPr>
+        <p:spPr/>
+        <p:txBody>
+          <a:bodyPr/>
+          <a:lstStyle/>
+          <a:p>
+            <a:r>
+              <a:rPr lang="en-US" dirty="0"/>
+              <a:t>optimal backers for success: 100+</a:t>
+            </a:r>
+          </a:p>
+          <a:p>
+            <a:r>
+              <a:rPr lang="en-US" dirty="0"/>
+              <a:t>optimal length for success: 15-59 days</a:t>
+            </a:r>
+          </a:p>
+        </p:txBody>
+      </p:sp>
+    </p:spTree>
+    <p:extLst>
+      <p:ext uri="{BB962C8B-B14F-4D97-AF65-F5344CB8AC3E}">
+        <p14:creationId xmlns:p14="http://schemas.microsoft.com/office/powerpoint/2010/main" val="1289672530"/>
+      </p:ext>
+    </p:extLst>
+  </p:cSld>
+  <p:clrMapOvr>
+    <a:masterClrMapping/>
+  </p:clrMapOvr>
+</p:sld>
+</file>
+
+<file path=ppt/slides/slide14.xml><?xml version="1.0" encoding="utf-8"?>
+<p:sld xmlns:a="http://schemas.openxmlformats.org/drawingml/2006/main" xmlns:r="http://schemas.openxmlformats.org/officeDocument/2006/relationships" xmlns:p="http://schemas.openxmlformats.org/presentationml/2006/main">
+  <p:cSld>
+    <p:spTree>
+      <p:nvGrpSpPr>
+        <p:cNvPr id="1" name=""/>
+        <p:cNvGrpSpPr/>
+        <p:nvPr/>
+      </p:nvGrpSpPr>
+      <p:grpSpPr>
+        <a:xfrm>
+          <a:off x="0" y="0"/>
+          <a:ext cx="0" cy="0"/>
+          <a:chOff x="0" y="0"/>
+          <a:chExt cx="0" cy="0"/>
+        </a:xfrm>
+      </p:grpSpPr>
+      <p:sp>
+        <p:nvSpPr>
+          <p:cNvPr id="2" name="Title 1">
+            <a:extLst>
+              <a:ext uri="{FF2B5EF4-FFF2-40B4-BE49-F238E27FC236}">
+                <a16:creationId xmlns:a16="http://schemas.microsoft.com/office/drawing/2014/main" id="{4B538976-9220-4FE5-96E8-4AFA15114802}"/>
+              </a:ext>
+            </a:extLst>
+          </p:cNvPr>
+          <p:cNvSpPr>
+            <a:spLocks noGrp="1"/>
+          </p:cNvSpPr>
+          <p:nvPr>
+            <p:ph type="title"/>
+          </p:nvPr>
+        </p:nvSpPr>
+        <p:spPr/>
+        <p:txBody>
+          <a:bodyPr/>
+          <a:lstStyle/>
+          <a:p>
+            <a:r>
+              <a:rPr lang="en-US" dirty="0"/>
+              <a:t>Tech, design, games</a:t>
+            </a:r>
+          </a:p>
+        </p:txBody>
+      </p:sp>
+      <p:sp>
+        <p:nvSpPr>
+          <p:cNvPr id="3" name="Content Placeholder 2">
+            <a:extLst>
+              <a:ext uri="{FF2B5EF4-FFF2-40B4-BE49-F238E27FC236}">
+                <a16:creationId xmlns:a16="http://schemas.microsoft.com/office/drawing/2014/main" id="{9B29DFD7-4638-489B-BF36-1102AB4FAC80}"/>
+              </a:ext>
+            </a:extLst>
+          </p:cNvPr>
+          <p:cNvSpPr>
+            <a:spLocks noGrp="1"/>
+          </p:cNvSpPr>
+          <p:nvPr>
+            <p:ph idx="1"/>
+          </p:nvPr>
+        </p:nvSpPr>
+        <p:spPr/>
+        <p:txBody>
+          <a:bodyPr/>
+          <a:lstStyle/>
+          <a:p>
+            <a:r>
+              <a:rPr lang="en-US" dirty="0"/>
+              <a:t>Bring in the most money for successful projects</a:t>
+            </a:r>
+          </a:p>
+        </p:txBody>
+      </p:sp>
+      <p:pic>
+        <p:nvPicPr>
+          <p:cNvPr id="4" name="Picture 3">
+            <a:extLst>
+              <a:ext uri="{FF2B5EF4-FFF2-40B4-BE49-F238E27FC236}">
+                <a16:creationId xmlns:a16="http://schemas.microsoft.com/office/drawing/2014/main" id="{B6F811B9-91DE-45B0-8CBA-062FC94786C5}"/>
+              </a:ext>
+            </a:extLst>
+          </p:cNvPr>
+          <p:cNvPicPr>
+            <a:picLocks noChangeAspect="1"/>
+          </p:cNvPicPr>
+          <p:nvPr/>
+        </p:nvPicPr>
+        <p:blipFill>
+          <a:blip r:embed="rId2"/>
+          <a:stretch>
+            <a:fillRect/>
+          </a:stretch>
+        </p:blipFill>
+        <p:spPr>
+          <a:xfrm>
+            <a:off x="349541" y="2878036"/>
+            <a:ext cx="9144000" cy="3752850"/>
+          </a:xfrm>
+          <a:prstGeom prst="rect">
+            <a:avLst/>
+          </a:prstGeom>
+        </p:spPr>
+      </p:pic>
+      <p:pic>
+        <p:nvPicPr>
+          <p:cNvPr id="5" name="Picture 4">
+            <a:extLst>
+              <a:ext uri="{FF2B5EF4-FFF2-40B4-BE49-F238E27FC236}">
+                <a16:creationId xmlns:a16="http://schemas.microsoft.com/office/drawing/2014/main" id="{DDD82090-EA2E-431B-B34A-D33678DF8CD1}"/>
+              </a:ext>
+            </a:extLst>
+          </p:cNvPr>
+          <p:cNvPicPr>
+            <a:picLocks noChangeAspect="1"/>
+          </p:cNvPicPr>
+          <p:nvPr/>
+        </p:nvPicPr>
+        <p:blipFill>
+          <a:blip r:embed="rId3"/>
+          <a:stretch>
+            <a:fillRect/>
+          </a:stretch>
+        </p:blipFill>
+        <p:spPr>
+          <a:xfrm>
+            <a:off x="9590495" y="190500"/>
+            <a:ext cx="2524125" cy="2819400"/>
+          </a:xfrm>
+          <a:prstGeom prst="rect">
+            <a:avLst/>
+          </a:prstGeom>
+        </p:spPr>
+      </p:pic>
+    </p:spTree>
+    <p:extLst>
+      <p:ext uri="{BB962C8B-B14F-4D97-AF65-F5344CB8AC3E}">
+        <p14:creationId xmlns:p14="http://schemas.microsoft.com/office/powerpoint/2010/main" val="2042007058"/>
+      </p:ext>
+    </p:extLst>
+  </p:cSld>
+  <p:clrMapOvr>
+    <a:masterClrMapping/>
+  </p:clrMapOvr>
+</p:sld>
+</file>
+
+<file path=ppt/slides/slide15.xml><?xml version="1.0" encoding="utf-8"?>
+<p:sld xmlns:a="http://schemas.openxmlformats.org/drawingml/2006/main" xmlns:r="http://schemas.openxmlformats.org/officeDocument/2006/relationships" xmlns:p="http://schemas.openxmlformats.org/presentationml/2006/main">
+  <p:cSld>
+    <p:spTree>
+      <p:nvGrpSpPr>
+        <p:cNvPr id="1" name=""/>
+        <p:cNvGrpSpPr/>
+        <p:nvPr/>
+      </p:nvGrpSpPr>
+      <p:grpSpPr>
+        <a:xfrm>
+          <a:off x="0" y="0"/>
+          <a:ext cx="0" cy="0"/>
+          <a:chOff x="0" y="0"/>
+          <a:chExt cx="0" cy="0"/>
+        </a:xfrm>
+      </p:grpSpPr>
+      <p:sp>
+        <p:nvSpPr>
+          <p:cNvPr id="2" name="Title 1">
+            <a:extLst>
+              <a:ext uri="{FF2B5EF4-FFF2-40B4-BE49-F238E27FC236}">
+                <a16:creationId xmlns:a16="http://schemas.microsoft.com/office/drawing/2014/main" id="{1D6CE268-E457-B813-BA8F-92A6678F8F7C}"/>
+              </a:ext>
+            </a:extLst>
+          </p:cNvPr>
+          <p:cNvSpPr>
+            <a:spLocks noGrp="1"/>
+          </p:cNvSpPr>
+          <p:nvPr>
+            <p:ph type="title"/>
+          </p:nvPr>
+        </p:nvSpPr>
+        <p:spPr/>
+        <p:txBody>
+          <a:bodyPr/>
+          <a:lstStyle/>
+          <a:p>
+            <a:r>
+              <a:rPr lang="en-US" dirty="0"/>
+              <a:t>Failed projects that near completion</a:t>
+            </a:r>
+          </a:p>
+        </p:txBody>
+      </p:sp>
+      <p:sp>
+        <p:nvSpPr>
+          <p:cNvPr id="3" name="Content Placeholder 2">
+            <a:extLst>
+              <a:ext uri="{FF2B5EF4-FFF2-40B4-BE49-F238E27FC236}">
+                <a16:creationId xmlns:a16="http://schemas.microsoft.com/office/drawing/2014/main" id="{24ECFEE0-BB7E-70B1-C007-2D12C340F55A}"/>
+              </a:ext>
+            </a:extLst>
+          </p:cNvPr>
+          <p:cNvSpPr>
+            <a:spLocks noGrp="1"/>
+          </p:cNvSpPr>
+          <p:nvPr>
+            <p:ph idx="1"/>
+          </p:nvPr>
+        </p:nvSpPr>
+        <p:spPr/>
+        <p:txBody>
+          <a:bodyPr/>
+          <a:lstStyle/>
+          <a:p>
+            <a:r>
+              <a:rPr lang="en-US" dirty="0"/>
+              <a:t>199/129,720 = 0.15% of failed projects ALMOST meet goal (90-99% funded)</a:t>
+            </a:r>
+          </a:p>
+          <a:p>
+            <a:r>
+              <a:rPr lang="en-US" dirty="0"/>
+              <a:t>average goal of these projects is $14,049</a:t>
+            </a:r>
+          </a:p>
+          <a:p>
+            <a:r>
+              <a:rPr lang="en-US" dirty="0"/>
+              <a:t>average length of these projects is 33 days</a:t>
+            </a:r>
+          </a:p>
+          <a:p>
+            <a:r>
+              <a:rPr lang="en-US" dirty="0"/>
+              <a:t>average backers of these projects is 102</a:t>
+            </a:r>
+          </a:p>
+          <a:p>
+            <a:endParaRPr lang="en-US" dirty="0"/>
+          </a:p>
+        </p:txBody>
+      </p:sp>
+    </p:spTree>
+    <p:extLst>
+      <p:ext uri="{BB962C8B-B14F-4D97-AF65-F5344CB8AC3E}">
+        <p14:creationId xmlns:p14="http://schemas.microsoft.com/office/powerpoint/2010/main" val="2739649684"/>
+      </p:ext>
+    </p:extLst>
+  </p:cSld>
+  <p:clrMapOvr>
+    <a:masterClrMapping/>
+  </p:clrMapOvr>
+</p:sld>
+</file>
+
 <file path=ppt/slides/slide2.xml><?xml version="1.0" encoding="utf-8"?>
 <p:sld xmlns:a="http://schemas.openxmlformats.org/drawingml/2006/main" xmlns:r="http://schemas.openxmlformats.org/officeDocument/2006/relationships" xmlns:p="http://schemas.openxmlformats.org/presentationml/2006/main">
   <p:cSld>
@@ -12476,7 +13172,10 @@
           <a:bodyPr/>
           <a:lstStyle/>
           <a:p>
-            <a:endParaRPr lang="en-US"/>
+            <a:r>
+              <a:rPr lang="en-US" dirty="0"/>
+              <a:t>32 days long</a:t>
+            </a:r>
           </a:p>
         </p:txBody>
       </p:sp>
@@ -12533,7 +13232,7 @@
           <a:p>
             <a:r>
               <a:rPr lang="en-US" dirty="0"/>
-              <a:t>Approximately 32 days long</a:t>
+              <a:t>No matter the main category</a:t>
             </a:r>
           </a:p>
         </p:txBody>
@@ -12554,9 +13253,16 @@
             <p:ph idx="1"/>
           </p:nvPr>
         </p:nvSpPr>
-        <p:spPr/>
+        <p:spPr>
+          <a:xfrm>
+            <a:off x="1141412" y="2249487"/>
+            <a:ext cx="9905999" cy="1030608"/>
+          </a:xfrm>
+        </p:spPr>
         <p:txBody>
-          <a:bodyPr/>
+          <a:bodyPr>
+            <a:normAutofit fontScale="92500"/>
+          </a:bodyPr>
           <a:lstStyle/>
           <a:p>
             <a:pPr marL="0" indent="0">
@@ -12564,22 +13270,7 @@
             </a:pPr>
             <a:r>
               <a:rPr lang="en-US" dirty="0"/>
-              <a:t>… No matter the main category</a:t>
-            </a:r>
-          </a:p>
-          <a:p>
-            <a:pPr marL="0" indent="0">
-              <a:buNone/>
-            </a:pPr>
-            <a:endParaRPr lang="en-US" dirty="0"/>
-          </a:p>
-          <a:p>
-            <a:pPr marL="0" indent="0">
-              <a:buNone/>
-            </a:pPr>
-            <a:r>
-              <a:rPr lang="en-US" dirty="0"/>
-              <a:t>But…</a:t>
+              <a:t>BUT</a:t>
             </a:r>
           </a:p>
           <a:p>
@@ -12611,6 +13302,1599 @@
 </file>
 
 <file path=ppt/slides/slide4.xml><?xml version="1.0" encoding="utf-8"?>
+<p:sld xmlns:a="http://schemas.openxmlformats.org/drawingml/2006/main" xmlns:r="http://schemas.openxmlformats.org/officeDocument/2006/relationships" xmlns:p="http://schemas.openxmlformats.org/presentationml/2006/main">
+  <p:cSld>
+    <p:spTree>
+      <p:nvGrpSpPr>
+        <p:cNvPr id="1" name=""/>
+        <p:cNvGrpSpPr/>
+        <p:nvPr/>
+      </p:nvGrpSpPr>
+      <p:grpSpPr>
+        <a:xfrm>
+          <a:off x="0" y="0"/>
+          <a:ext cx="0" cy="0"/>
+          <a:chOff x="0" y="0"/>
+          <a:chExt cx="0" cy="0"/>
+        </a:xfrm>
+      </p:grpSpPr>
+      <p:sp>
+        <p:nvSpPr>
+          <p:cNvPr id="2" name="Title 1">
+            <a:extLst>
+              <a:ext uri="{FF2B5EF4-FFF2-40B4-BE49-F238E27FC236}">
+                <a16:creationId xmlns:a16="http://schemas.microsoft.com/office/drawing/2014/main" id="{34E3DB59-97D0-BC63-09F7-2B8323418A9D}"/>
+              </a:ext>
+            </a:extLst>
+          </p:cNvPr>
+          <p:cNvSpPr>
+            <a:spLocks noGrp="1"/>
+          </p:cNvSpPr>
+          <p:nvPr>
+            <p:ph type="title"/>
+          </p:nvPr>
+        </p:nvSpPr>
+        <p:spPr/>
+        <p:txBody>
+          <a:bodyPr/>
+          <a:lstStyle/>
+          <a:p>
+            <a:r>
+              <a:rPr lang="en-US" b="1" dirty="0">
+                <a:solidFill>
+                  <a:schemeClr val="accent5"/>
+                </a:solidFill>
+              </a:rPr>
+              <a:t>Successful</a:t>
+            </a:r>
+            <a:r>
+              <a:rPr lang="en-US" b="1" dirty="0"/>
+              <a:t> </a:t>
+            </a:r>
+            <a:r>
+              <a:rPr lang="en-US" dirty="0"/>
+              <a:t>Projects 20-59 days long</a:t>
+            </a:r>
+          </a:p>
+        </p:txBody>
+      </p:sp>
+      <p:sp>
+        <p:nvSpPr>
+          <p:cNvPr id="3" name="Content Placeholder 2">
+            <a:extLst>
+              <a:ext uri="{FF2B5EF4-FFF2-40B4-BE49-F238E27FC236}">
+                <a16:creationId xmlns:a16="http://schemas.microsoft.com/office/drawing/2014/main" id="{3D6B4EF8-31C5-03F5-D970-3B9BDB3D0171}"/>
+              </a:ext>
+            </a:extLst>
+          </p:cNvPr>
+          <p:cNvSpPr>
+            <a:spLocks noGrp="1"/>
+          </p:cNvSpPr>
+          <p:nvPr>
+            <p:ph idx="1"/>
+          </p:nvPr>
+        </p:nvSpPr>
+        <p:spPr>
+          <a:xfrm>
+            <a:off x="1141412" y="2249487"/>
+            <a:ext cx="9905999" cy="1030608"/>
+          </a:xfrm>
+        </p:spPr>
+        <p:txBody>
+          <a:bodyPr>
+            <a:normAutofit/>
+          </a:bodyPr>
+          <a:lstStyle/>
+          <a:p>
+            <a:pPr marL="0" indent="0">
+              <a:buNone/>
+            </a:pPr>
+            <a:r>
+              <a:rPr lang="en-US" dirty="0">
+                <a:solidFill>
+                  <a:schemeClr val="accent5"/>
+                </a:solidFill>
+              </a:rPr>
+              <a:t>May have lower goals than failed projects of the same length, but</a:t>
+            </a:r>
+          </a:p>
+        </p:txBody>
+      </p:sp>
+      <p:pic>
+        <p:nvPicPr>
+          <p:cNvPr id="5" name="Picture 4">
+            <a:extLst>
+              <a:ext uri="{FF2B5EF4-FFF2-40B4-BE49-F238E27FC236}">
+                <a16:creationId xmlns:a16="http://schemas.microsoft.com/office/drawing/2014/main" id="{544D7A25-6897-4B49-BE2F-D6305033FCBA}"/>
+              </a:ext>
+            </a:extLst>
+          </p:cNvPr>
+          <p:cNvPicPr>
+            <a:picLocks noChangeAspect="1"/>
+          </p:cNvPicPr>
+          <p:nvPr/>
+        </p:nvPicPr>
+        <p:blipFill>
+          <a:blip r:embed="rId2"/>
+          <a:stretch>
+            <a:fillRect/>
+          </a:stretch>
+        </p:blipFill>
+        <p:spPr>
+          <a:xfrm>
+            <a:off x="1727198" y="3280095"/>
+            <a:ext cx="8734425" cy="3505200"/>
+          </a:xfrm>
+          <a:prstGeom prst="rect">
+            <a:avLst/>
+          </a:prstGeom>
+        </p:spPr>
+      </p:pic>
+    </p:spTree>
+    <p:extLst>
+      <p:ext uri="{BB962C8B-B14F-4D97-AF65-F5344CB8AC3E}">
+        <p14:creationId xmlns:p14="http://schemas.microsoft.com/office/powerpoint/2010/main" val="3520131037"/>
+      </p:ext>
+    </p:extLst>
+  </p:cSld>
+  <p:clrMapOvr>
+    <a:masterClrMapping/>
+  </p:clrMapOvr>
+</p:sld>
+</file>
+
+<file path=ppt/slides/slide5.xml><?xml version="1.0" encoding="utf-8"?>
+<p:sld xmlns:a="http://schemas.openxmlformats.org/drawingml/2006/main" xmlns:r="http://schemas.openxmlformats.org/officeDocument/2006/relationships" xmlns:p="http://schemas.openxmlformats.org/presentationml/2006/main">
+  <p:cSld>
+    <p:spTree>
+      <p:nvGrpSpPr>
+        <p:cNvPr id="1" name=""/>
+        <p:cNvGrpSpPr/>
+        <p:nvPr/>
+      </p:nvGrpSpPr>
+      <p:grpSpPr>
+        <a:xfrm>
+          <a:off x="0" y="0"/>
+          <a:ext cx="0" cy="0"/>
+          <a:chOff x="0" y="0"/>
+          <a:chExt cx="0" cy="0"/>
+        </a:xfrm>
+      </p:grpSpPr>
+      <p:sp>
+        <p:nvSpPr>
+          <p:cNvPr id="2" name="Title 1">
+            <a:extLst>
+              <a:ext uri="{FF2B5EF4-FFF2-40B4-BE49-F238E27FC236}">
+                <a16:creationId xmlns:a16="http://schemas.microsoft.com/office/drawing/2014/main" id="{34E3DB59-97D0-BC63-09F7-2B8323418A9D}"/>
+              </a:ext>
+            </a:extLst>
+          </p:cNvPr>
+          <p:cNvSpPr>
+            <a:spLocks noGrp="1"/>
+          </p:cNvSpPr>
+          <p:nvPr>
+            <p:ph type="title"/>
+          </p:nvPr>
+        </p:nvSpPr>
+        <p:spPr/>
+        <p:txBody>
+          <a:bodyPr/>
+          <a:lstStyle/>
+          <a:p>
+            <a:r>
+              <a:rPr lang="en-US" b="1" dirty="0">
+                <a:solidFill>
+                  <a:schemeClr val="accent5"/>
+                </a:solidFill>
+              </a:rPr>
+              <a:t>Successful</a:t>
+            </a:r>
+            <a:r>
+              <a:rPr lang="en-US" b="1" dirty="0"/>
+              <a:t> </a:t>
+            </a:r>
+            <a:r>
+              <a:rPr lang="en-US" dirty="0"/>
+              <a:t>Projects 20-59 days long</a:t>
+            </a:r>
+          </a:p>
+        </p:txBody>
+      </p:sp>
+      <p:sp>
+        <p:nvSpPr>
+          <p:cNvPr id="3" name="Content Placeholder 2">
+            <a:extLst>
+              <a:ext uri="{FF2B5EF4-FFF2-40B4-BE49-F238E27FC236}">
+                <a16:creationId xmlns:a16="http://schemas.microsoft.com/office/drawing/2014/main" id="{3D6B4EF8-31C5-03F5-D970-3B9BDB3D0171}"/>
+              </a:ext>
+            </a:extLst>
+          </p:cNvPr>
+          <p:cNvSpPr>
+            <a:spLocks noGrp="1"/>
+          </p:cNvSpPr>
+          <p:nvPr>
+            <p:ph idx="1"/>
+          </p:nvPr>
+        </p:nvSpPr>
+        <p:spPr>
+          <a:xfrm>
+            <a:off x="1141412" y="2249487"/>
+            <a:ext cx="9905999" cy="1030608"/>
+          </a:xfrm>
+        </p:spPr>
+        <p:txBody>
+          <a:bodyPr>
+            <a:normAutofit/>
+          </a:bodyPr>
+          <a:lstStyle/>
+          <a:p>
+            <a:pPr marL="0" indent="0">
+              <a:buNone/>
+            </a:pPr>
+            <a:r>
+              <a:rPr lang="en-US" dirty="0"/>
+              <a:t>When they succeed, they bring in the most money</a:t>
+            </a:r>
+            <a:endParaRPr lang="en-US" dirty="0">
+              <a:solidFill>
+                <a:schemeClr val="accent4"/>
+              </a:solidFill>
+            </a:endParaRPr>
+          </a:p>
+        </p:txBody>
+      </p:sp>
+      <p:pic>
+        <p:nvPicPr>
+          <p:cNvPr id="5" name="Picture 4">
+            <a:extLst>
+              <a:ext uri="{FF2B5EF4-FFF2-40B4-BE49-F238E27FC236}">
+                <a16:creationId xmlns:a16="http://schemas.microsoft.com/office/drawing/2014/main" id="{118AF67C-0A62-4330-BC18-D28B4E4025B3}"/>
+              </a:ext>
+            </a:extLst>
+          </p:cNvPr>
+          <p:cNvPicPr>
+            <a:picLocks noChangeAspect="1"/>
+          </p:cNvPicPr>
+          <p:nvPr/>
+        </p:nvPicPr>
+        <p:blipFill>
+          <a:blip r:embed="rId2"/>
+          <a:stretch>
+            <a:fillRect/>
+          </a:stretch>
+        </p:blipFill>
+        <p:spPr>
+          <a:xfrm>
+            <a:off x="1209107" y="3280095"/>
+            <a:ext cx="8867775" cy="3381375"/>
+          </a:xfrm>
+          <a:prstGeom prst="rect">
+            <a:avLst/>
+          </a:prstGeom>
+        </p:spPr>
+      </p:pic>
+    </p:spTree>
+    <p:extLst>
+      <p:ext uri="{BB962C8B-B14F-4D97-AF65-F5344CB8AC3E}">
+        <p14:creationId xmlns:p14="http://schemas.microsoft.com/office/powerpoint/2010/main" val="143815121"/>
+      </p:ext>
+    </p:extLst>
+  </p:cSld>
+  <p:clrMapOvr>
+    <a:masterClrMapping/>
+  </p:clrMapOvr>
+</p:sld>
+</file>
+
+<file path=ppt/slides/slide6.xml><?xml version="1.0" encoding="utf-8"?>
+<p:sld xmlns:a="http://schemas.openxmlformats.org/drawingml/2006/main" xmlns:r="http://schemas.openxmlformats.org/officeDocument/2006/relationships" xmlns:p="http://schemas.openxmlformats.org/presentationml/2006/main">
+  <p:cSld>
+    <p:spTree>
+      <p:nvGrpSpPr>
+        <p:cNvPr id="1" name=""/>
+        <p:cNvGrpSpPr/>
+        <p:nvPr/>
+      </p:nvGrpSpPr>
+      <p:grpSpPr>
+        <a:xfrm>
+          <a:off x="0" y="0"/>
+          <a:ext cx="0" cy="0"/>
+          <a:chOff x="0" y="0"/>
+          <a:chExt cx="0" cy="0"/>
+        </a:xfrm>
+      </p:grpSpPr>
+      <p:sp>
+        <p:nvSpPr>
+          <p:cNvPr id="2" name="Title 1">
+            <a:extLst>
+              <a:ext uri="{FF2B5EF4-FFF2-40B4-BE49-F238E27FC236}">
+                <a16:creationId xmlns:a16="http://schemas.microsoft.com/office/drawing/2014/main" id="{34E3DB59-97D0-BC63-09F7-2B8323418A9D}"/>
+              </a:ext>
+            </a:extLst>
+          </p:cNvPr>
+          <p:cNvSpPr>
+            <a:spLocks noGrp="1"/>
+          </p:cNvSpPr>
+          <p:nvPr>
+            <p:ph type="title"/>
+          </p:nvPr>
+        </p:nvSpPr>
+        <p:spPr/>
+        <p:txBody>
+          <a:bodyPr/>
+          <a:lstStyle/>
+          <a:p>
+            <a:r>
+              <a:rPr lang="en-US" b="1" dirty="0">
+                <a:solidFill>
+                  <a:schemeClr val="accent5"/>
+                </a:solidFill>
+              </a:rPr>
+              <a:t>Successful</a:t>
+            </a:r>
+            <a:r>
+              <a:rPr lang="en-US" b="1" dirty="0"/>
+              <a:t> </a:t>
+            </a:r>
+            <a:r>
+              <a:rPr lang="en-US" dirty="0"/>
+              <a:t>Projects 20-59 days long</a:t>
+            </a:r>
+          </a:p>
+        </p:txBody>
+      </p:sp>
+      <p:sp>
+        <p:nvSpPr>
+          <p:cNvPr id="3" name="Content Placeholder 2">
+            <a:extLst>
+              <a:ext uri="{FF2B5EF4-FFF2-40B4-BE49-F238E27FC236}">
+                <a16:creationId xmlns:a16="http://schemas.microsoft.com/office/drawing/2014/main" id="{3D6B4EF8-31C5-03F5-D970-3B9BDB3D0171}"/>
+              </a:ext>
+            </a:extLst>
+          </p:cNvPr>
+          <p:cNvSpPr>
+            <a:spLocks noGrp="1"/>
+          </p:cNvSpPr>
+          <p:nvPr>
+            <p:ph idx="1"/>
+          </p:nvPr>
+        </p:nvSpPr>
+        <p:spPr>
+          <a:xfrm>
+            <a:off x="1141412" y="2249487"/>
+            <a:ext cx="9905999" cy="1030608"/>
+          </a:xfrm>
+        </p:spPr>
+        <p:txBody>
+          <a:bodyPr>
+            <a:normAutofit/>
+          </a:bodyPr>
+          <a:lstStyle/>
+          <a:p>
+            <a:pPr marL="0" indent="0">
+              <a:buNone/>
+            </a:pPr>
+            <a:r>
+              <a:rPr lang="en-US" dirty="0"/>
+              <a:t>Music, theater, comics, dance</a:t>
+            </a:r>
+            <a:endParaRPr lang="en-US" dirty="0">
+              <a:solidFill>
+                <a:schemeClr val="accent4"/>
+              </a:solidFill>
+            </a:endParaRPr>
+          </a:p>
+        </p:txBody>
+      </p:sp>
+      <p:pic>
+        <p:nvPicPr>
+          <p:cNvPr id="4" name="Picture 3">
+            <a:extLst>
+              <a:ext uri="{FF2B5EF4-FFF2-40B4-BE49-F238E27FC236}">
+                <a16:creationId xmlns:a16="http://schemas.microsoft.com/office/drawing/2014/main" id="{2C492432-27F4-4F28-AF6B-B05AFDA26FF7}"/>
+              </a:ext>
+            </a:extLst>
+          </p:cNvPr>
+          <p:cNvPicPr>
+            <a:picLocks noChangeAspect="1"/>
+          </p:cNvPicPr>
+          <p:nvPr/>
+        </p:nvPicPr>
+        <p:blipFill>
+          <a:blip r:embed="rId2"/>
+          <a:stretch>
+            <a:fillRect/>
+          </a:stretch>
+        </p:blipFill>
+        <p:spPr>
+          <a:xfrm>
+            <a:off x="864677" y="2764791"/>
+            <a:ext cx="9086850" cy="3714750"/>
+          </a:xfrm>
+          <a:prstGeom prst="rect">
+            <a:avLst/>
+          </a:prstGeom>
+        </p:spPr>
+      </p:pic>
+    </p:spTree>
+    <p:extLst>
+      <p:ext uri="{BB962C8B-B14F-4D97-AF65-F5344CB8AC3E}">
+        <p14:creationId xmlns:p14="http://schemas.microsoft.com/office/powerpoint/2010/main" val="4067650583"/>
+      </p:ext>
+    </p:extLst>
+  </p:cSld>
+  <p:clrMapOvr>
+    <a:masterClrMapping/>
+  </p:clrMapOvr>
+</p:sld>
+</file>
+
+<file path=ppt/slides/slide7.xml><?xml version="1.0" encoding="utf-8"?>
+<p:sld xmlns:a="http://schemas.openxmlformats.org/drawingml/2006/main" xmlns:r="http://schemas.openxmlformats.org/officeDocument/2006/relationships" xmlns:p="http://schemas.openxmlformats.org/presentationml/2006/main">
+  <p:cSld>
+    <p:spTree>
+      <p:nvGrpSpPr>
+        <p:cNvPr id="1" name=""/>
+        <p:cNvGrpSpPr/>
+        <p:nvPr/>
+      </p:nvGrpSpPr>
+      <p:grpSpPr>
+        <a:xfrm>
+          <a:off x="0" y="0"/>
+          <a:ext cx="0" cy="0"/>
+          <a:chOff x="0" y="0"/>
+          <a:chExt cx="0" cy="0"/>
+        </a:xfrm>
+      </p:grpSpPr>
+      <p:sp>
+        <p:nvSpPr>
+          <p:cNvPr id="2" name="Title 1">
+            <a:extLst>
+              <a:ext uri="{FF2B5EF4-FFF2-40B4-BE49-F238E27FC236}">
+                <a16:creationId xmlns:a16="http://schemas.microsoft.com/office/drawing/2014/main" id="{34E3DB59-97D0-BC63-09F7-2B8323418A9D}"/>
+              </a:ext>
+            </a:extLst>
+          </p:cNvPr>
+          <p:cNvSpPr>
+            <a:spLocks noGrp="1"/>
+          </p:cNvSpPr>
+          <p:nvPr>
+            <p:ph type="title"/>
+          </p:nvPr>
+        </p:nvSpPr>
+        <p:spPr/>
+        <p:txBody>
+          <a:bodyPr/>
+          <a:lstStyle/>
+          <a:p>
+            <a:r>
+              <a:rPr lang="en-US" dirty="0"/>
+              <a:t>projects 20-59 days long</a:t>
+            </a:r>
+          </a:p>
+        </p:txBody>
+      </p:sp>
+      <p:sp>
+        <p:nvSpPr>
+          <p:cNvPr id="3" name="Content Placeholder 2">
+            <a:extLst>
+              <a:ext uri="{FF2B5EF4-FFF2-40B4-BE49-F238E27FC236}">
+                <a16:creationId xmlns:a16="http://schemas.microsoft.com/office/drawing/2014/main" id="{3D6B4EF8-31C5-03F5-D970-3B9BDB3D0171}"/>
+              </a:ext>
+            </a:extLst>
+          </p:cNvPr>
+          <p:cNvSpPr>
+            <a:spLocks noGrp="1"/>
+          </p:cNvSpPr>
+          <p:nvPr>
+            <p:ph idx="1"/>
+          </p:nvPr>
+        </p:nvSpPr>
+        <p:spPr>
+          <a:xfrm>
+            <a:off x="1141412" y="2249487"/>
+            <a:ext cx="9905999" cy="1030608"/>
+          </a:xfrm>
+        </p:spPr>
+        <p:txBody>
+          <a:bodyPr>
+            <a:normAutofit/>
+          </a:bodyPr>
+          <a:lstStyle/>
+          <a:p>
+            <a:pPr marL="0" indent="0">
+              <a:buNone/>
+            </a:pPr>
+            <a:r>
+              <a:rPr lang="en-US" dirty="0"/>
+              <a:t>Music, theater, comics, dance have best chance of success at this length</a:t>
+            </a:r>
+            <a:endParaRPr lang="en-US" dirty="0">
+              <a:solidFill>
+                <a:schemeClr val="accent4"/>
+              </a:solidFill>
+            </a:endParaRPr>
+          </a:p>
+        </p:txBody>
+      </p:sp>
+      <p:pic>
+        <p:nvPicPr>
+          <p:cNvPr id="6" name="Picture 5">
+            <a:extLst>
+              <a:ext uri="{FF2B5EF4-FFF2-40B4-BE49-F238E27FC236}">
+                <a16:creationId xmlns:a16="http://schemas.microsoft.com/office/drawing/2014/main" id="{5B589281-C620-4D4F-93C6-EB8A4C28821B}"/>
+              </a:ext>
+            </a:extLst>
+          </p:cNvPr>
+          <p:cNvPicPr>
+            <a:picLocks noChangeAspect="1"/>
+          </p:cNvPicPr>
+          <p:nvPr/>
+        </p:nvPicPr>
+        <p:blipFill>
+          <a:blip r:embed="rId2"/>
+          <a:stretch>
+            <a:fillRect/>
+          </a:stretch>
+        </p:blipFill>
+        <p:spPr>
+          <a:xfrm>
+            <a:off x="1141412" y="2894376"/>
+            <a:ext cx="9067800" cy="3619500"/>
+          </a:xfrm>
+          <a:prstGeom prst="rect">
+            <a:avLst/>
+          </a:prstGeom>
+        </p:spPr>
+      </p:pic>
+    </p:spTree>
+    <p:extLst>
+      <p:ext uri="{BB962C8B-B14F-4D97-AF65-F5344CB8AC3E}">
+        <p14:creationId xmlns:p14="http://schemas.microsoft.com/office/powerpoint/2010/main" val="2021641659"/>
+      </p:ext>
+    </p:extLst>
+  </p:cSld>
+  <p:clrMapOvr>
+    <a:masterClrMapping/>
+  </p:clrMapOvr>
+</p:sld>
+</file>
+
+<file path=ppt/slides/slide8.xml><?xml version="1.0" encoding="utf-8"?>
+<p:sld xmlns:a="http://schemas.openxmlformats.org/drawingml/2006/main" xmlns:r="http://schemas.openxmlformats.org/officeDocument/2006/relationships" xmlns:p="http://schemas.openxmlformats.org/presentationml/2006/main">
+  <p:cSld>
+    <p:spTree>
+      <p:nvGrpSpPr>
+        <p:cNvPr id="1" name=""/>
+        <p:cNvGrpSpPr/>
+        <p:nvPr/>
+      </p:nvGrpSpPr>
+      <p:grpSpPr>
+        <a:xfrm>
+          <a:off x="0" y="0"/>
+          <a:ext cx="0" cy="0"/>
+          <a:chOff x="0" y="0"/>
+          <a:chExt cx="0" cy="0"/>
+        </a:xfrm>
+      </p:grpSpPr>
+      <p:sp>
+        <p:nvSpPr>
+          <p:cNvPr id="2" name="Title 1">
+            <a:extLst>
+              <a:ext uri="{FF2B5EF4-FFF2-40B4-BE49-F238E27FC236}">
+                <a16:creationId xmlns:a16="http://schemas.microsoft.com/office/drawing/2014/main" id="{988539A5-88A9-42E6-B87A-CA9646225D5F}"/>
+              </a:ext>
+            </a:extLst>
+          </p:cNvPr>
+          <p:cNvSpPr>
+            <a:spLocks noGrp="1"/>
+          </p:cNvSpPr>
+          <p:nvPr>
+            <p:ph type="title"/>
+          </p:nvPr>
+        </p:nvSpPr>
+        <p:spPr/>
+        <p:txBody>
+          <a:bodyPr/>
+          <a:lstStyle/>
+          <a:p>
+            <a:r>
+              <a:rPr lang="en-US" dirty="0"/>
+              <a:t>20-59 days</a:t>
+            </a:r>
+          </a:p>
+        </p:txBody>
+      </p:sp>
+      <p:sp>
+        <p:nvSpPr>
+          <p:cNvPr id="3" name="Text Placeholder 2">
+            <a:extLst>
+              <a:ext uri="{FF2B5EF4-FFF2-40B4-BE49-F238E27FC236}">
+                <a16:creationId xmlns:a16="http://schemas.microsoft.com/office/drawing/2014/main" id="{44EC3E31-436C-447E-B0A3-FF5D654B51D9}"/>
+              </a:ext>
+            </a:extLst>
+          </p:cNvPr>
+          <p:cNvSpPr>
+            <a:spLocks noGrp="1"/>
+          </p:cNvSpPr>
+          <p:nvPr>
+            <p:ph type="body" idx="1"/>
+          </p:nvPr>
+        </p:nvSpPr>
+        <p:spPr>
+          <a:xfrm>
+            <a:off x="1141410" y="2674463"/>
+            <a:ext cx="2197407" cy="684905"/>
+          </a:xfrm>
+        </p:spPr>
+        <p:txBody>
+          <a:bodyPr/>
+          <a:lstStyle/>
+          <a:p>
+            <a:r>
+              <a:rPr lang="en-US" dirty="0"/>
+              <a:t>Music</a:t>
+            </a:r>
+          </a:p>
+        </p:txBody>
+      </p:sp>
+      <p:sp>
+        <p:nvSpPr>
+          <p:cNvPr id="4" name="Text Placeholder 3">
+            <a:extLst>
+              <a:ext uri="{FF2B5EF4-FFF2-40B4-BE49-F238E27FC236}">
+                <a16:creationId xmlns:a16="http://schemas.microsoft.com/office/drawing/2014/main" id="{B7988BB1-0DB3-4D70-8E01-FF0677D53CB0}"/>
+              </a:ext>
+            </a:extLst>
+          </p:cNvPr>
+          <p:cNvSpPr>
+            <a:spLocks noGrp="1"/>
+          </p:cNvSpPr>
+          <p:nvPr>
+            <p:ph type="body" sz="half" idx="15"/>
+          </p:nvPr>
+        </p:nvSpPr>
+        <p:spPr>
+          <a:xfrm>
+            <a:off x="1127918" y="3360263"/>
+            <a:ext cx="2210899" cy="2427764"/>
+          </a:xfrm>
+        </p:spPr>
+        <p:txBody>
+          <a:bodyPr/>
+          <a:lstStyle/>
+          <a:p>
+            <a:r>
+              <a:rPr lang="en-US" dirty="0"/>
+              <a:t>Median goal: $3,500</a:t>
+            </a:r>
+          </a:p>
+        </p:txBody>
+      </p:sp>
+      <p:sp>
+        <p:nvSpPr>
+          <p:cNvPr id="5" name="Text Placeholder 4">
+            <a:extLst>
+              <a:ext uri="{FF2B5EF4-FFF2-40B4-BE49-F238E27FC236}">
+                <a16:creationId xmlns:a16="http://schemas.microsoft.com/office/drawing/2014/main" id="{4A7A1E7D-B57C-4318-B0B9-4BC99BE61043}"/>
+              </a:ext>
+            </a:extLst>
+          </p:cNvPr>
+          <p:cNvSpPr>
+            <a:spLocks noGrp="1"/>
+          </p:cNvSpPr>
+          <p:nvPr>
+            <p:ph type="body" sz="quarter" idx="3"/>
+          </p:nvPr>
+        </p:nvSpPr>
+        <p:spPr>
+          <a:xfrm>
+            <a:off x="3447876" y="2682953"/>
+            <a:ext cx="2117486" cy="684905"/>
+          </a:xfrm>
+        </p:spPr>
+        <p:txBody>
+          <a:bodyPr/>
+          <a:lstStyle/>
+          <a:p>
+            <a:r>
+              <a:rPr lang="en-US" dirty="0"/>
+              <a:t>theater</a:t>
+            </a:r>
+          </a:p>
+        </p:txBody>
+      </p:sp>
+      <p:sp>
+        <p:nvSpPr>
+          <p:cNvPr id="6" name="Text Placeholder 5">
+            <a:extLst>
+              <a:ext uri="{FF2B5EF4-FFF2-40B4-BE49-F238E27FC236}">
+                <a16:creationId xmlns:a16="http://schemas.microsoft.com/office/drawing/2014/main" id="{152A2421-398A-4791-AF9F-CA33AE1DD214}"/>
+              </a:ext>
+            </a:extLst>
+          </p:cNvPr>
+          <p:cNvSpPr>
+            <a:spLocks noGrp="1"/>
+          </p:cNvSpPr>
+          <p:nvPr>
+            <p:ph type="body" sz="half" idx="16"/>
+          </p:nvPr>
+        </p:nvSpPr>
+        <p:spPr>
+          <a:xfrm>
+            <a:off x="3447876" y="3368753"/>
+            <a:ext cx="2114026" cy="2427764"/>
+          </a:xfrm>
+        </p:spPr>
+        <p:txBody>
+          <a:bodyPr/>
+          <a:lstStyle/>
+          <a:p>
+            <a:r>
+              <a:rPr lang="en-US" dirty="0"/>
+              <a:t>Median goal: $2,800</a:t>
+            </a:r>
+          </a:p>
+        </p:txBody>
+      </p:sp>
+      <p:sp>
+        <p:nvSpPr>
+          <p:cNvPr id="9" name="Text Placeholder 4">
+            <a:extLst>
+              <a:ext uri="{FF2B5EF4-FFF2-40B4-BE49-F238E27FC236}">
+                <a16:creationId xmlns:a16="http://schemas.microsoft.com/office/drawing/2014/main" id="{E6DECC56-D861-43BF-8591-47C0EB0BEB02}"/>
+              </a:ext>
+            </a:extLst>
+          </p:cNvPr>
+          <p:cNvSpPr txBox="1">
+            <a:spLocks/>
+          </p:cNvSpPr>
+          <p:nvPr/>
+        </p:nvSpPr>
+        <p:spPr>
+          <a:xfrm>
+            <a:off x="5674421" y="2674463"/>
+            <a:ext cx="2117486" cy="684905"/>
+          </a:xfrm>
+          <a:prstGeom prst="rect">
+            <a:avLst/>
+          </a:prstGeom>
+        </p:spPr>
+        <p:txBody>
+          <a:bodyPr vert="horz" lIns="91440" tIns="45720" rIns="91440" bIns="45720" rtlCol="0" anchor="b">
+            <a:noAutofit/>
+          </a:bodyPr>
+          <a:lstStyle>
+            <a:lvl1pPr marL="0" indent="0" algn="l" defTabSz="914400" rtl="0" eaLnBrk="1" latinLnBrk="0" hangingPunct="1">
+              <a:lnSpc>
+                <a:spcPct val="90000"/>
+              </a:lnSpc>
+              <a:spcBef>
+                <a:spcPts val="1000"/>
+              </a:spcBef>
+              <a:buSzPct val="125000"/>
+              <a:buFont typeface="Arial" panose="020B0604020202020204" pitchFamily="34" charset="0"/>
+              <a:buNone/>
+              <a:defRPr sz="2400" b="0" kern="1200" cap="all" baseline="0">
+                <a:solidFill>
+                  <a:schemeClr val="tx1"/>
+                </a:solidFill>
+                <a:latin typeface="+mn-lt"/>
+                <a:ea typeface="+mn-ea"/>
+                <a:cs typeface="+mn-cs"/>
+              </a:defRPr>
+            </a:lvl1pPr>
+            <a:lvl2pPr marL="457200" indent="0" algn="l" defTabSz="914400" rtl="0" eaLnBrk="1" latinLnBrk="0" hangingPunct="1">
+              <a:lnSpc>
+                <a:spcPct val="120000"/>
+              </a:lnSpc>
+              <a:spcBef>
+                <a:spcPts val="500"/>
+              </a:spcBef>
+              <a:buSzPct val="125000"/>
+              <a:buFont typeface="Arial" panose="020B0604020202020204" pitchFamily="34" charset="0"/>
+              <a:buNone/>
+              <a:defRPr sz="2000" b="1" kern="1200">
+                <a:solidFill>
+                  <a:schemeClr val="tx1"/>
+                </a:solidFill>
+                <a:latin typeface="+mn-lt"/>
+                <a:ea typeface="+mn-ea"/>
+                <a:cs typeface="+mn-cs"/>
+              </a:defRPr>
+            </a:lvl2pPr>
+            <a:lvl3pPr marL="914400" indent="0" algn="l" defTabSz="914400" rtl="0" eaLnBrk="1" latinLnBrk="0" hangingPunct="1">
+              <a:lnSpc>
+                <a:spcPct val="120000"/>
+              </a:lnSpc>
+              <a:spcBef>
+                <a:spcPts val="500"/>
+              </a:spcBef>
+              <a:buSzPct val="125000"/>
+              <a:buFont typeface="Arial" panose="020B0604020202020204" pitchFamily="34" charset="0"/>
+              <a:buNone/>
+              <a:defRPr sz="1800" b="1" kern="1200">
+                <a:solidFill>
+                  <a:schemeClr val="tx1"/>
+                </a:solidFill>
+                <a:latin typeface="+mn-lt"/>
+                <a:ea typeface="+mn-ea"/>
+                <a:cs typeface="+mn-cs"/>
+              </a:defRPr>
+            </a:lvl3pPr>
+            <a:lvl4pPr marL="1371600" indent="0" algn="l" defTabSz="914400" rtl="0" eaLnBrk="1" latinLnBrk="0" hangingPunct="1">
+              <a:lnSpc>
+                <a:spcPct val="120000"/>
+              </a:lnSpc>
+              <a:spcBef>
+                <a:spcPts val="500"/>
+              </a:spcBef>
+              <a:buSzPct val="125000"/>
+              <a:buFont typeface="Arial" panose="020B0604020202020204" pitchFamily="34" charset="0"/>
+              <a:buNone/>
+              <a:defRPr sz="1600" b="1" kern="1200">
+                <a:solidFill>
+                  <a:schemeClr val="tx1"/>
+                </a:solidFill>
+                <a:latin typeface="+mn-lt"/>
+                <a:ea typeface="+mn-ea"/>
+                <a:cs typeface="+mn-cs"/>
+              </a:defRPr>
+            </a:lvl4pPr>
+            <a:lvl5pPr marL="1828800" indent="0" algn="l" defTabSz="914400" rtl="0" eaLnBrk="1" latinLnBrk="0" hangingPunct="1">
+              <a:lnSpc>
+                <a:spcPct val="120000"/>
+              </a:lnSpc>
+              <a:spcBef>
+                <a:spcPts val="500"/>
+              </a:spcBef>
+              <a:buSzPct val="125000"/>
+              <a:buFont typeface="Arial" panose="020B0604020202020204" pitchFamily="34" charset="0"/>
+              <a:buNone/>
+              <a:defRPr sz="1600" b="1" kern="1200">
+                <a:solidFill>
+                  <a:schemeClr val="tx1"/>
+                </a:solidFill>
+                <a:latin typeface="+mn-lt"/>
+                <a:ea typeface="+mn-ea"/>
+                <a:cs typeface="+mn-cs"/>
+              </a:defRPr>
+            </a:lvl5pPr>
+            <a:lvl6pPr marL="2286000" indent="0" algn="l" defTabSz="914400" rtl="0" eaLnBrk="1" latinLnBrk="0" hangingPunct="1">
+              <a:lnSpc>
+                <a:spcPct val="120000"/>
+              </a:lnSpc>
+              <a:spcBef>
+                <a:spcPts val="500"/>
+              </a:spcBef>
+              <a:buSzPct val="125000"/>
+              <a:buFont typeface="Arial" panose="020B0604020202020204" pitchFamily="34" charset="0"/>
+              <a:buNone/>
+              <a:defRPr sz="1600" b="1" kern="1200">
+                <a:solidFill>
+                  <a:schemeClr val="tx1"/>
+                </a:solidFill>
+                <a:latin typeface="+mn-lt"/>
+                <a:ea typeface="+mn-ea"/>
+                <a:cs typeface="+mn-cs"/>
+              </a:defRPr>
+            </a:lvl6pPr>
+            <a:lvl7pPr marL="2743200" indent="0" algn="l" defTabSz="914400" rtl="0" eaLnBrk="1" latinLnBrk="0" hangingPunct="1">
+              <a:lnSpc>
+                <a:spcPct val="120000"/>
+              </a:lnSpc>
+              <a:spcBef>
+                <a:spcPts val="500"/>
+              </a:spcBef>
+              <a:buSzPct val="125000"/>
+              <a:buFont typeface="Arial" panose="020B0604020202020204" pitchFamily="34" charset="0"/>
+              <a:buNone/>
+              <a:defRPr sz="1600" b="1" kern="1200">
+                <a:solidFill>
+                  <a:schemeClr val="tx1"/>
+                </a:solidFill>
+                <a:latin typeface="+mn-lt"/>
+                <a:ea typeface="+mn-ea"/>
+                <a:cs typeface="+mn-cs"/>
+              </a:defRPr>
+            </a:lvl7pPr>
+            <a:lvl8pPr marL="3200400" indent="0" algn="l" defTabSz="914400" rtl="0" eaLnBrk="1" latinLnBrk="0" hangingPunct="1">
+              <a:lnSpc>
+                <a:spcPct val="120000"/>
+              </a:lnSpc>
+              <a:spcBef>
+                <a:spcPts val="500"/>
+              </a:spcBef>
+              <a:buSzPct val="125000"/>
+              <a:buFont typeface="Arial" panose="020B0604020202020204" pitchFamily="34" charset="0"/>
+              <a:buNone/>
+              <a:defRPr sz="1600" b="1" kern="1200">
+                <a:solidFill>
+                  <a:schemeClr val="tx1"/>
+                </a:solidFill>
+                <a:latin typeface="+mn-lt"/>
+                <a:ea typeface="+mn-ea"/>
+                <a:cs typeface="+mn-cs"/>
+              </a:defRPr>
+            </a:lvl8pPr>
+            <a:lvl9pPr marL="3657600" indent="0" algn="l" defTabSz="914400" rtl="0" eaLnBrk="1" latinLnBrk="0" hangingPunct="1">
+              <a:lnSpc>
+                <a:spcPct val="120000"/>
+              </a:lnSpc>
+              <a:spcBef>
+                <a:spcPts val="500"/>
+              </a:spcBef>
+              <a:buSzPct val="125000"/>
+              <a:buFont typeface="Arial" panose="020B0604020202020204" pitchFamily="34" charset="0"/>
+              <a:buNone/>
+              <a:defRPr sz="1600" b="1" kern="1200">
+                <a:solidFill>
+                  <a:schemeClr val="tx1"/>
+                </a:solidFill>
+                <a:latin typeface="+mn-lt"/>
+                <a:ea typeface="+mn-ea"/>
+                <a:cs typeface="+mn-cs"/>
+              </a:defRPr>
+            </a:lvl9pPr>
+          </a:lstStyle>
+          <a:p>
+            <a:r>
+              <a:rPr lang="en-US" dirty="0"/>
+              <a:t>comics</a:t>
+            </a:r>
+          </a:p>
+        </p:txBody>
+      </p:sp>
+      <p:sp>
+        <p:nvSpPr>
+          <p:cNvPr id="10" name="Text Placeholder 4">
+            <a:extLst>
+              <a:ext uri="{FF2B5EF4-FFF2-40B4-BE49-F238E27FC236}">
+                <a16:creationId xmlns:a16="http://schemas.microsoft.com/office/drawing/2014/main" id="{343C8F3F-36F9-40E6-AC19-0357904E5221}"/>
+              </a:ext>
+            </a:extLst>
+          </p:cNvPr>
+          <p:cNvSpPr txBox="1">
+            <a:spLocks/>
+          </p:cNvSpPr>
+          <p:nvPr/>
+        </p:nvSpPr>
+        <p:spPr>
+          <a:xfrm>
+            <a:off x="7900966" y="2653540"/>
+            <a:ext cx="2117486" cy="684905"/>
+          </a:xfrm>
+          <a:prstGeom prst="rect">
+            <a:avLst/>
+          </a:prstGeom>
+        </p:spPr>
+        <p:txBody>
+          <a:bodyPr vert="horz" lIns="91440" tIns="45720" rIns="91440" bIns="45720" rtlCol="0" anchor="b">
+            <a:noAutofit/>
+          </a:bodyPr>
+          <a:lstStyle>
+            <a:lvl1pPr marL="0" indent="0" algn="l" defTabSz="914400" rtl="0" eaLnBrk="1" latinLnBrk="0" hangingPunct="1">
+              <a:lnSpc>
+                <a:spcPct val="90000"/>
+              </a:lnSpc>
+              <a:spcBef>
+                <a:spcPts val="1000"/>
+              </a:spcBef>
+              <a:buSzPct val="125000"/>
+              <a:buFont typeface="Arial" panose="020B0604020202020204" pitchFamily="34" charset="0"/>
+              <a:buNone/>
+              <a:defRPr sz="2400" b="0" kern="1200" cap="all" baseline="0">
+                <a:solidFill>
+                  <a:schemeClr val="tx1"/>
+                </a:solidFill>
+                <a:latin typeface="+mn-lt"/>
+                <a:ea typeface="+mn-ea"/>
+                <a:cs typeface="+mn-cs"/>
+              </a:defRPr>
+            </a:lvl1pPr>
+            <a:lvl2pPr marL="457200" indent="0" algn="l" defTabSz="914400" rtl="0" eaLnBrk="1" latinLnBrk="0" hangingPunct="1">
+              <a:lnSpc>
+                <a:spcPct val="120000"/>
+              </a:lnSpc>
+              <a:spcBef>
+                <a:spcPts val="500"/>
+              </a:spcBef>
+              <a:buSzPct val="125000"/>
+              <a:buFont typeface="Arial" panose="020B0604020202020204" pitchFamily="34" charset="0"/>
+              <a:buNone/>
+              <a:defRPr sz="2000" b="1" kern="1200">
+                <a:solidFill>
+                  <a:schemeClr val="tx1"/>
+                </a:solidFill>
+                <a:latin typeface="+mn-lt"/>
+                <a:ea typeface="+mn-ea"/>
+                <a:cs typeface="+mn-cs"/>
+              </a:defRPr>
+            </a:lvl2pPr>
+            <a:lvl3pPr marL="914400" indent="0" algn="l" defTabSz="914400" rtl="0" eaLnBrk="1" latinLnBrk="0" hangingPunct="1">
+              <a:lnSpc>
+                <a:spcPct val="120000"/>
+              </a:lnSpc>
+              <a:spcBef>
+                <a:spcPts val="500"/>
+              </a:spcBef>
+              <a:buSzPct val="125000"/>
+              <a:buFont typeface="Arial" panose="020B0604020202020204" pitchFamily="34" charset="0"/>
+              <a:buNone/>
+              <a:defRPr sz="1800" b="1" kern="1200">
+                <a:solidFill>
+                  <a:schemeClr val="tx1"/>
+                </a:solidFill>
+                <a:latin typeface="+mn-lt"/>
+                <a:ea typeface="+mn-ea"/>
+                <a:cs typeface="+mn-cs"/>
+              </a:defRPr>
+            </a:lvl3pPr>
+            <a:lvl4pPr marL="1371600" indent="0" algn="l" defTabSz="914400" rtl="0" eaLnBrk="1" latinLnBrk="0" hangingPunct="1">
+              <a:lnSpc>
+                <a:spcPct val="120000"/>
+              </a:lnSpc>
+              <a:spcBef>
+                <a:spcPts val="500"/>
+              </a:spcBef>
+              <a:buSzPct val="125000"/>
+              <a:buFont typeface="Arial" panose="020B0604020202020204" pitchFamily="34" charset="0"/>
+              <a:buNone/>
+              <a:defRPr sz="1600" b="1" kern="1200">
+                <a:solidFill>
+                  <a:schemeClr val="tx1"/>
+                </a:solidFill>
+                <a:latin typeface="+mn-lt"/>
+                <a:ea typeface="+mn-ea"/>
+                <a:cs typeface="+mn-cs"/>
+              </a:defRPr>
+            </a:lvl4pPr>
+            <a:lvl5pPr marL="1828800" indent="0" algn="l" defTabSz="914400" rtl="0" eaLnBrk="1" latinLnBrk="0" hangingPunct="1">
+              <a:lnSpc>
+                <a:spcPct val="120000"/>
+              </a:lnSpc>
+              <a:spcBef>
+                <a:spcPts val="500"/>
+              </a:spcBef>
+              <a:buSzPct val="125000"/>
+              <a:buFont typeface="Arial" panose="020B0604020202020204" pitchFamily="34" charset="0"/>
+              <a:buNone/>
+              <a:defRPr sz="1600" b="1" kern="1200">
+                <a:solidFill>
+                  <a:schemeClr val="tx1"/>
+                </a:solidFill>
+                <a:latin typeface="+mn-lt"/>
+                <a:ea typeface="+mn-ea"/>
+                <a:cs typeface="+mn-cs"/>
+              </a:defRPr>
+            </a:lvl5pPr>
+            <a:lvl6pPr marL="2286000" indent="0" algn="l" defTabSz="914400" rtl="0" eaLnBrk="1" latinLnBrk="0" hangingPunct="1">
+              <a:lnSpc>
+                <a:spcPct val="120000"/>
+              </a:lnSpc>
+              <a:spcBef>
+                <a:spcPts val="500"/>
+              </a:spcBef>
+              <a:buSzPct val="125000"/>
+              <a:buFont typeface="Arial" panose="020B0604020202020204" pitchFamily="34" charset="0"/>
+              <a:buNone/>
+              <a:defRPr sz="1600" b="1" kern="1200">
+                <a:solidFill>
+                  <a:schemeClr val="tx1"/>
+                </a:solidFill>
+                <a:latin typeface="+mn-lt"/>
+                <a:ea typeface="+mn-ea"/>
+                <a:cs typeface="+mn-cs"/>
+              </a:defRPr>
+            </a:lvl6pPr>
+            <a:lvl7pPr marL="2743200" indent="0" algn="l" defTabSz="914400" rtl="0" eaLnBrk="1" latinLnBrk="0" hangingPunct="1">
+              <a:lnSpc>
+                <a:spcPct val="120000"/>
+              </a:lnSpc>
+              <a:spcBef>
+                <a:spcPts val="500"/>
+              </a:spcBef>
+              <a:buSzPct val="125000"/>
+              <a:buFont typeface="Arial" panose="020B0604020202020204" pitchFamily="34" charset="0"/>
+              <a:buNone/>
+              <a:defRPr sz="1600" b="1" kern="1200">
+                <a:solidFill>
+                  <a:schemeClr val="tx1"/>
+                </a:solidFill>
+                <a:latin typeface="+mn-lt"/>
+                <a:ea typeface="+mn-ea"/>
+                <a:cs typeface="+mn-cs"/>
+              </a:defRPr>
+            </a:lvl7pPr>
+            <a:lvl8pPr marL="3200400" indent="0" algn="l" defTabSz="914400" rtl="0" eaLnBrk="1" latinLnBrk="0" hangingPunct="1">
+              <a:lnSpc>
+                <a:spcPct val="120000"/>
+              </a:lnSpc>
+              <a:spcBef>
+                <a:spcPts val="500"/>
+              </a:spcBef>
+              <a:buSzPct val="125000"/>
+              <a:buFont typeface="Arial" panose="020B0604020202020204" pitchFamily="34" charset="0"/>
+              <a:buNone/>
+              <a:defRPr sz="1600" b="1" kern="1200">
+                <a:solidFill>
+                  <a:schemeClr val="tx1"/>
+                </a:solidFill>
+                <a:latin typeface="+mn-lt"/>
+                <a:ea typeface="+mn-ea"/>
+                <a:cs typeface="+mn-cs"/>
+              </a:defRPr>
+            </a:lvl8pPr>
+            <a:lvl9pPr marL="3657600" indent="0" algn="l" defTabSz="914400" rtl="0" eaLnBrk="1" latinLnBrk="0" hangingPunct="1">
+              <a:lnSpc>
+                <a:spcPct val="120000"/>
+              </a:lnSpc>
+              <a:spcBef>
+                <a:spcPts val="500"/>
+              </a:spcBef>
+              <a:buSzPct val="125000"/>
+              <a:buFont typeface="Arial" panose="020B0604020202020204" pitchFamily="34" charset="0"/>
+              <a:buNone/>
+              <a:defRPr sz="1600" b="1" kern="1200">
+                <a:solidFill>
+                  <a:schemeClr val="tx1"/>
+                </a:solidFill>
+                <a:latin typeface="+mn-lt"/>
+                <a:ea typeface="+mn-ea"/>
+                <a:cs typeface="+mn-cs"/>
+              </a:defRPr>
+            </a:lvl9pPr>
+          </a:lstStyle>
+          <a:p>
+            <a:r>
+              <a:rPr lang="en-US" dirty="0"/>
+              <a:t>dance</a:t>
+            </a:r>
+          </a:p>
+        </p:txBody>
+      </p:sp>
+      <p:sp>
+        <p:nvSpPr>
+          <p:cNvPr id="11" name="Text Placeholder 5">
+            <a:extLst>
+              <a:ext uri="{FF2B5EF4-FFF2-40B4-BE49-F238E27FC236}">
+                <a16:creationId xmlns:a16="http://schemas.microsoft.com/office/drawing/2014/main" id="{FFDE326A-7CBD-4C38-BBC4-A5023CDB8EBB}"/>
+              </a:ext>
+            </a:extLst>
+          </p:cNvPr>
+          <p:cNvSpPr txBox="1">
+            <a:spLocks/>
+          </p:cNvSpPr>
+          <p:nvPr/>
+        </p:nvSpPr>
+        <p:spPr>
+          <a:xfrm>
+            <a:off x="5732411" y="3338445"/>
+            <a:ext cx="2114026" cy="2427764"/>
+          </a:xfrm>
+          <a:prstGeom prst="rect">
+            <a:avLst/>
+          </a:prstGeom>
+        </p:spPr>
+        <p:txBody>
+          <a:bodyPr vert="horz" lIns="91440" tIns="45720" rIns="91440" bIns="45720" rtlCol="0" anchor="t">
+            <a:normAutofit/>
+          </a:bodyPr>
+          <a:lstStyle>
+            <a:lvl1pPr marL="0" indent="0" algn="l" defTabSz="914400" rtl="0" eaLnBrk="1" latinLnBrk="0" hangingPunct="1">
+              <a:lnSpc>
+                <a:spcPct val="120000"/>
+              </a:lnSpc>
+              <a:spcBef>
+                <a:spcPts val="1000"/>
+              </a:spcBef>
+              <a:buSzPct val="125000"/>
+              <a:buFont typeface="Arial" panose="020B0604020202020204" pitchFamily="34" charset="0"/>
+              <a:buNone/>
+              <a:defRPr sz="1400" kern="1200">
+                <a:solidFill>
+                  <a:schemeClr val="tx1"/>
+                </a:solidFill>
+                <a:latin typeface="+mn-lt"/>
+                <a:ea typeface="+mn-ea"/>
+                <a:cs typeface="+mn-cs"/>
+              </a:defRPr>
+            </a:lvl1pPr>
+            <a:lvl2pPr marL="457200" indent="0" algn="l" defTabSz="914400" rtl="0" eaLnBrk="1" latinLnBrk="0" hangingPunct="1">
+              <a:lnSpc>
+                <a:spcPct val="120000"/>
+              </a:lnSpc>
+              <a:spcBef>
+                <a:spcPts val="500"/>
+              </a:spcBef>
+              <a:buSzPct val="125000"/>
+              <a:buFont typeface="Arial" panose="020B0604020202020204" pitchFamily="34" charset="0"/>
+              <a:buNone/>
+              <a:defRPr sz="1200" kern="1200">
+                <a:solidFill>
+                  <a:schemeClr val="tx1"/>
+                </a:solidFill>
+                <a:latin typeface="+mn-lt"/>
+                <a:ea typeface="+mn-ea"/>
+                <a:cs typeface="+mn-cs"/>
+              </a:defRPr>
+            </a:lvl2pPr>
+            <a:lvl3pPr marL="914400" indent="0" algn="l" defTabSz="914400" rtl="0" eaLnBrk="1" latinLnBrk="0" hangingPunct="1">
+              <a:lnSpc>
+                <a:spcPct val="120000"/>
+              </a:lnSpc>
+              <a:spcBef>
+                <a:spcPts val="500"/>
+              </a:spcBef>
+              <a:buSzPct val="125000"/>
+              <a:buFont typeface="Arial" panose="020B0604020202020204" pitchFamily="34" charset="0"/>
+              <a:buNone/>
+              <a:defRPr sz="1000" kern="1200">
+                <a:solidFill>
+                  <a:schemeClr val="tx1"/>
+                </a:solidFill>
+                <a:latin typeface="+mn-lt"/>
+                <a:ea typeface="+mn-ea"/>
+                <a:cs typeface="+mn-cs"/>
+              </a:defRPr>
+            </a:lvl3pPr>
+            <a:lvl4pPr marL="1371600" indent="0" algn="l" defTabSz="914400" rtl="0" eaLnBrk="1" latinLnBrk="0" hangingPunct="1">
+              <a:lnSpc>
+                <a:spcPct val="120000"/>
+              </a:lnSpc>
+              <a:spcBef>
+                <a:spcPts val="500"/>
+              </a:spcBef>
+              <a:buSzPct val="125000"/>
+              <a:buFont typeface="Arial" panose="020B0604020202020204" pitchFamily="34" charset="0"/>
+              <a:buNone/>
+              <a:defRPr sz="900" kern="1200">
+                <a:solidFill>
+                  <a:schemeClr val="tx1"/>
+                </a:solidFill>
+                <a:latin typeface="+mn-lt"/>
+                <a:ea typeface="+mn-ea"/>
+                <a:cs typeface="+mn-cs"/>
+              </a:defRPr>
+            </a:lvl4pPr>
+            <a:lvl5pPr marL="1828800" indent="0" algn="l" defTabSz="914400" rtl="0" eaLnBrk="1" latinLnBrk="0" hangingPunct="1">
+              <a:lnSpc>
+                <a:spcPct val="120000"/>
+              </a:lnSpc>
+              <a:spcBef>
+                <a:spcPts val="500"/>
+              </a:spcBef>
+              <a:buSzPct val="125000"/>
+              <a:buFont typeface="Arial" panose="020B0604020202020204" pitchFamily="34" charset="0"/>
+              <a:buNone/>
+              <a:defRPr sz="900" kern="1200">
+                <a:solidFill>
+                  <a:schemeClr val="tx1"/>
+                </a:solidFill>
+                <a:latin typeface="+mn-lt"/>
+                <a:ea typeface="+mn-ea"/>
+                <a:cs typeface="+mn-cs"/>
+              </a:defRPr>
+            </a:lvl5pPr>
+            <a:lvl6pPr marL="2286000" indent="0" algn="l" defTabSz="914400" rtl="0" eaLnBrk="1" latinLnBrk="0" hangingPunct="1">
+              <a:lnSpc>
+                <a:spcPct val="120000"/>
+              </a:lnSpc>
+              <a:spcBef>
+                <a:spcPts val="500"/>
+              </a:spcBef>
+              <a:buSzPct val="125000"/>
+              <a:buFont typeface="Arial" panose="020B0604020202020204" pitchFamily="34" charset="0"/>
+              <a:buNone/>
+              <a:defRPr sz="900" kern="1200">
+                <a:solidFill>
+                  <a:schemeClr val="tx1"/>
+                </a:solidFill>
+                <a:latin typeface="+mn-lt"/>
+                <a:ea typeface="+mn-ea"/>
+                <a:cs typeface="+mn-cs"/>
+              </a:defRPr>
+            </a:lvl6pPr>
+            <a:lvl7pPr marL="2743200" indent="0" algn="l" defTabSz="914400" rtl="0" eaLnBrk="1" latinLnBrk="0" hangingPunct="1">
+              <a:lnSpc>
+                <a:spcPct val="120000"/>
+              </a:lnSpc>
+              <a:spcBef>
+                <a:spcPts val="500"/>
+              </a:spcBef>
+              <a:buSzPct val="125000"/>
+              <a:buFont typeface="Arial" panose="020B0604020202020204" pitchFamily="34" charset="0"/>
+              <a:buNone/>
+              <a:defRPr sz="900" kern="1200">
+                <a:solidFill>
+                  <a:schemeClr val="tx1"/>
+                </a:solidFill>
+                <a:latin typeface="+mn-lt"/>
+                <a:ea typeface="+mn-ea"/>
+                <a:cs typeface="+mn-cs"/>
+              </a:defRPr>
+            </a:lvl7pPr>
+            <a:lvl8pPr marL="3200400" indent="0" algn="l" defTabSz="914400" rtl="0" eaLnBrk="1" latinLnBrk="0" hangingPunct="1">
+              <a:lnSpc>
+                <a:spcPct val="120000"/>
+              </a:lnSpc>
+              <a:spcBef>
+                <a:spcPts val="500"/>
+              </a:spcBef>
+              <a:buSzPct val="125000"/>
+              <a:buFont typeface="Arial" panose="020B0604020202020204" pitchFamily="34" charset="0"/>
+              <a:buNone/>
+              <a:defRPr sz="900" kern="1200">
+                <a:solidFill>
+                  <a:schemeClr val="tx1"/>
+                </a:solidFill>
+                <a:latin typeface="+mn-lt"/>
+                <a:ea typeface="+mn-ea"/>
+                <a:cs typeface="+mn-cs"/>
+              </a:defRPr>
+            </a:lvl8pPr>
+            <a:lvl9pPr marL="3657600" indent="0" algn="l" defTabSz="914400" rtl="0" eaLnBrk="1" latinLnBrk="0" hangingPunct="1">
+              <a:lnSpc>
+                <a:spcPct val="120000"/>
+              </a:lnSpc>
+              <a:spcBef>
+                <a:spcPts val="500"/>
+              </a:spcBef>
+              <a:buSzPct val="125000"/>
+              <a:buFont typeface="Arial" panose="020B0604020202020204" pitchFamily="34" charset="0"/>
+              <a:buNone/>
+              <a:defRPr sz="900" kern="1200">
+                <a:solidFill>
+                  <a:schemeClr val="tx1"/>
+                </a:solidFill>
+                <a:latin typeface="+mn-lt"/>
+                <a:ea typeface="+mn-ea"/>
+                <a:cs typeface="+mn-cs"/>
+              </a:defRPr>
+            </a:lvl9pPr>
+          </a:lstStyle>
+          <a:p>
+            <a:r>
+              <a:rPr lang="en-US" dirty="0"/>
+              <a:t>Median goal: $3,000</a:t>
+            </a:r>
+          </a:p>
+          <a:p>
+            <a:r>
+              <a:rPr lang="en-US" dirty="0"/>
+              <a:t>Mean goal: $5,315 </a:t>
+            </a:r>
+          </a:p>
+        </p:txBody>
+      </p:sp>
+      <p:sp>
+        <p:nvSpPr>
+          <p:cNvPr id="12" name="Text Placeholder 5">
+            <a:extLst>
+              <a:ext uri="{FF2B5EF4-FFF2-40B4-BE49-F238E27FC236}">
+                <a16:creationId xmlns:a16="http://schemas.microsoft.com/office/drawing/2014/main" id="{BDB33DAB-CA5E-4863-8358-49B10A4D534E}"/>
+              </a:ext>
+            </a:extLst>
+          </p:cNvPr>
+          <p:cNvSpPr txBox="1">
+            <a:spLocks/>
+          </p:cNvSpPr>
+          <p:nvPr/>
+        </p:nvSpPr>
+        <p:spPr>
+          <a:xfrm>
+            <a:off x="7897506" y="3338445"/>
+            <a:ext cx="2114026" cy="2427764"/>
+          </a:xfrm>
+          <a:prstGeom prst="rect">
+            <a:avLst/>
+          </a:prstGeom>
+        </p:spPr>
+        <p:txBody>
+          <a:bodyPr vert="horz" lIns="91440" tIns="45720" rIns="91440" bIns="45720" rtlCol="0" anchor="t">
+            <a:normAutofit/>
+          </a:bodyPr>
+          <a:lstStyle>
+            <a:lvl1pPr marL="0" indent="0" algn="l" defTabSz="914400" rtl="0" eaLnBrk="1" latinLnBrk="0" hangingPunct="1">
+              <a:lnSpc>
+                <a:spcPct val="120000"/>
+              </a:lnSpc>
+              <a:spcBef>
+                <a:spcPts val="1000"/>
+              </a:spcBef>
+              <a:buSzPct val="125000"/>
+              <a:buFont typeface="Arial" panose="020B0604020202020204" pitchFamily="34" charset="0"/>
+              <a:buNone/>
+              <a:defRPr sz="1400" kern="1200">
+                <a:solidFill>
+                  <a:schemeClr val="tx1"/>
+                </a:solidFill>
+                <a:latin typeface="+mn-lt"/>
+                <a:ea typeface="+mn-ea"/>
+                <a:cs typeface="+mn-cs"/>
+              </a:defRPr>
+            </a:lvl1pPr>
+            <a:lvl2pPr marL="457200" indent="0" algn="l" defTabSz="914400" rtl="0" eaLnBrk="1" latinLnBrk="0" hangingPunct="1">
+              <a:lnSpc>
+                <a:spcPct val="120000"/>
+              </a:lnSpc>
+              <a:spcBef>
+                <a:spcPts val="500"/>
+              </a:spcBef>
+              <a:buSzPct val="125000"/>
+              <a:buFont typeface="Arial" panose="020B0604020202020204" pitchFamily="34" charset="0"/>
+              <a:buNone/>
+              <a:defRPr sz="1200" kern="1200">
+                <a:solidFill>
+                  <a:schemeClr val="tx1"/>
+                </a:solidFill>
+                <a:latin typeface="+mn-lt"/>
+                <a:ea typeface="+mn-ea"/>
+                <a:cs typeface="+mn-cs"/>
+              </a:defRPr>
+            </a:lvl2pPr>
+            <a:lvl3pPr marL="914400" indent="0" algn="l" defTabSz="914400" rtl="0" eaLnBrk="1" latinLnBrk="0" hangingPunct="1">
+              <a:lnSpc>
+                <a:spcPct val="120000"/>
+              </a:lnSpc>
+              <a:spcBef>
+                <a:spcPts val="500"/>
+              </a:spcBef>
+              <a:buSzPct val="125000"/>
+              <a:buFont typeface="Arial" panose="020B0604020202020204" pitchFamily="34" charset="0"/>
+              <a:buNone/>
+              <a:defRPr sz="1000" kern="1200">
+                <a:solidFill>
+                  <a:schemeClr val="tx1"/>
+                </a:solidFill>
+                <a:latin typeface="+mn-lt"/>
+                <a:ea typeface="+mn-ea"/>
+                <a:cs typeface="+mn-cs"/>
+              </a:defRPr>
+            </a:lvl3pPr>
+            <a:lvl4pPr marL="1371600" indent="0" algn="l" defTabSz="914400" rtl="0" eaLnBrk="1" latinLnBrk="0" hangingPunct="1">
+              <a:lnSpc>
+                <a:spcPct val="120000"/>
+              </a:lnSpc>
+              <a:spcBef>
+                <a:spcPts val="500"/>
+              </a:spcBef>
+              <a:buSzPct val="125000"/>
+              <a:buFont typeface="Arial" panose="020B0604020202020204" pitchFamily="34" charset="0"/>
+              <a:buNone/>
+              <a:defRPr sz="900" kern="1200">
+                <a:solidFill>
+                  <a:schemeClr val="tx1"/>
+                </a:solidFill>
+                <a:latin typeface="+mn-lt"/>
+                <a:ea typeface="+mn-ea"/>
+                <a:cs typeface="+mn-cs"/>
+              </a:defRPr>
+            </a:lvl4pPr>
+            <a:lvl5pPr marL="1828800" indent="0" algn="l" defTabSz="914400" rtl="0" eaLnBrk="1" latinLnBrk="0" hangingPunct="1">
+              <a:lnSpc>
+                <a:spcPct val="120000"/>
+              </a:lnSpc>
+              <a:spcBef>
+                <a:spcPts val="500"/>
+              </a:spcBef>
+              <a:buSzPct val="125000"/>
+              <a:buFont typeface="Arial" panose="020B0604020202020204" pitchFamily="34" charset="0"/>
+              <a:buNone/>
+              <a:defRPr sz="900" kern="1200">
+                <a:solidFill>
+                  <a:schemeClr val="tx1"/>
+                </a:solidFill>
+                <a:latin typeface="+mn-lt"/>
+                <a:ea typeface="+mn-ea"/>
+                <a:cs typeface="+mn-cs"/>
+              </a:defRPr>
+            </a:lvl5pPr>
+            <a:lvl6pPr marL="2286000" indent="0" algn="l" defTabSz="914400" rtl="0" eaLnBrk="1" latinLnBrk="0" hangingPunct="1">
+              <a:lnSpc>
+                <a:spcPct val="120000"/>
+              </a:lnSpc>
+              <a:spcBef>
+                <a:spcPts val="500"/>
+              </a:spcBef>
+              <a:buSzPct val="125000"/>
+              <a:buFont typeface="Arial" panose="020B0604020202020204" pitchFamily="34" charset="0"/>
+              <a:buNone/>
+              <a:defRPr sz="900" kern="1200">
+                <a:solidFill>
+                  <a:schemeClr val="tx1"/>
+                </a:solidFill>
+                <a:latin typeface="+mn-lt"/>
+                <a:ea typeface="+mn-ea"/>
+                <a:cs typeface="+mn-cs"/>
+              </a:defRPr>
+            </a:lvl6pPr>
+            <a:lvl7pPr marL="2743200" indent="0" algn="l" defTabSz="914400" rtl="0" eaLnBrk="1" latinLnBrk="0" hangingPunct="1">
+              <a:lnSpc>
+                <a:spcPct val="120000"/>
+              </a:lnSpc>
+              <a:spcBef>
+                <a:spcPts val="500"/>
+              </a:spcBef>
+              <a:buSzPct val="125000"/>
+              <a:buFont typeface="Arial" panose="020B0604020202020204" pitchFamily="34" charset="0"/>
+              <a:buNone/>
+              <a:defRPr sz="900" kern="1200">
+                <a:solidFill>
+                  <a:schemeClr val="tx1"/>
+                </a:solidFill>
+                <a:latin typeface="+mn-lt"/>
+                <a:ea typeface="+mn-ea"/>
+                <a:cs typeface="+mn-cs"/>
+              </a:defRPr>
+            </a:lvl7pPr>
+            <a:lvl8pPr marL="3200400" indent="0" algn="l" defTabSz="914400" rtl="0" eaLnBrk="1" latinLnBrk="0" hangingPunct="1">
+              <a:lnSpc>
+                <a:spcPct val="120000"/>
+              </a:lnSpc>
+              <a:spcBef>
+                <a:spcPts val="500"/>
+              </a:spcBef>
+              <a:buSzPct val="125000"/>
+              <a:buFont typeface="Arial" panose="020B0604020202020204" pitchFamily="34" charset="0"/>
+              <a:buNone/>
+              <a:defRPr sz="900" kern="1200">
+                <a:solidFill>
+                  <a:schemeClr val="tx1"/>
+                </a:solidFill>
+                <a:latin typeface="+mn-lt"/>
+                <a:ea typeface="+mn-ea"/>
+                <a:cs typeface="+mn-cs"/>
+              </a:defRPr>
+            </a:lvl8pPr>
+            <a:lvl9pPr marL="3657600" indent="0" algn="l" defTabSz="914400" rtl="0" eaLnBrk="1" latinLnBrk="0" hangingPunct="1">
+              <a:lnSpc>
+                <a:spcPct val="120000"/>
+              </a:lnSpc>
+              <a:spcBef>
+                <a:spcPts val="500"/>
+              </a:spcBef>
+              <a:buSzPct val="125000"/>
+              <a:buFont typeface="Arial" panose="020B0604020202020204" pitchFamily="34" charset="0"/>
+              <a:buNone/>
+              <a:defRPr sz="900" kern="1200">
+                <a:solidFill>
+                  <a:schemeClr val="tx1"/>
+                </a:solidFill>
+                <a:latin typeface="+mn-lt"/>
+                <a:ea typeface="+mn-ea"/>
+                <a:cs typeface="+mn-cs"/>
+              </a:defRPr>
+            </a:lvl9pPr>
+          </a:lstStyle>
+          <a:p>
+            <a:r>
+              <a:rPr lang="en-US" dirty="0"/>
+              <a:t>Median goal: $3,000</a:t>
+            </a:r>
+          </a:p>
+          <a:p>
+            <a:r>
+              <a:rPr lang="en-US" dirty="0"/>
+              <a:t>Mean goal: $4,763 </a:t>
+            </a:r>
+          </a:p>
+        </p:txBody>
+      </p:sp>
+    </p:spTree>
+    <p:extLst>
+      <p:ext uri="{BB962C8B-B14F-4D97-AF65-F5344CB8AC3E}">
+        <p14:creationId xmlns:p14="http://schemas.microsoft.com/office/powerpoint/2010/main" val="3310928881"/>
+      </p:ext>
+    </p:extLst>
+  </p:cSld>
+  <p:clrMapOvr>
+    <a:masterClrMapping/>
+  </p:clrMapOvr>
+</p:sld>
+</file>
+
+<file path=ppt/slides/slide9.xml><?xml version="1.0" encoding="utf-8"?>
 <p:sld xmlns:a="http://schemas.openxmlformats.org/drawingml/2006/main" xmlns:r="http://schemas.openxmlformats.org/officeDocument/2006/relationships" xmlns:p="http://schemas.openxmlformats.org/presentationml/2006/main">
   <p:cSld>
     <p:spTree>
@@ -12709,545 +14993,6 @@
     <p:extLst>
       <p:ext uri="{BB962C8B-B14F-4D97-AF65-F5344CB8AC3E}">
         <p14:creationId xmlns:p14="http://schemas.microsoft.com/office/powerpoint/2010/main" val="4001524244"/>
-      </p:ext>
-    </p:extLst>
-  </p:cSld>
-  <p:clrMapOvr>
-    <a:masterClrMapping/>
-  </p:clrMapOvr>
-</p:sld>
-</file>
-
-<file path=ppt/slides/slide5.xml><?xml version="1.0" encoding="utf-8"?>
-<p:sld xmlns:a="http://schemas.openxmlformats.org/drawingml/2006/main" xmlns:r="http://schemas.openxmlformats.org/officeDocument/2006/relationships" xmlns:p="http://schemas.openxmlformats.org/presentationml/2006/main">
-  <p:cSld>
-    <p:spTree>
-      <p:nvGrpSpPr>
-        <p:cNvPr id="1" name=""/>
-        <p:cNvGrpSpPr/>
-        <p:nvPr/>
-      </p:nvGrpSpPr>
-      <p:grpSpPr>
-        <a:xfrm>
-          <a:off x="0" y="0"/>
-          <a:ext cx="0" cy="0"/>
-          <a:chOff x="0" y="0"/>
-          <a:chExt cx="0" cy="0"/>
-        </a:xfrm>
-      </p:grpSpPr>
-      <p:sp>
-        <p:nvSpPr>
-          <p:cNvPr id="2" name="Title 1">
-            <a:extLst>
-              <a:ext uri="{FF2B5EF4-FFF2-40B4-BE49-F238E27FC236}">
-                <a16:creationId xmlns:a16="http://schemas.microsoft.com/office/drawing/2014/main" id="{1A383F4F-7B3B-6C64-21F6-716C49B89111}"/>
-              </a:ext>
-            </a:extLst>
-          </p:cNvPr>
-          <p:cNvSpPr>
-            <a:spLocks noGrp="1"/>
-          </p:cNvSpPr>
-          <p:nvPr>
-            <p:ph type="title"/>
-          </p:nvPr>
-        </p:nvSpPr>
-        <p:spPr/>
-        <p:txBody>
-          <a:bodyPr>
-            <a:normAutofit fontScale="90000"/>
-          </a:bodyPr>
-          <a:lstStyle/>
-          <a:p>
-            <a:r>
-              <a:rPr lang="en-US" dirty="0"/>
-              <a:t>Successful Projects with Goals of </a:t>
-            </a:r>
-            <a:br>
-              <a:rPr lang="en-US" dirty="0"/>
-            </a:br>
-            <a:r>
-              <a:rPr lang="en-US" dirty="0"/>
-              <a:t>$2,000 - $4,999</a:t>
-            </a:r>
-            <a:br>
-              <a:rPr lang="en-US" dirty="0"/>
-            </a:br>
-            <a:r>
-              <a:rPr lang="en-US" dirty="0"/>
-              <a:t>(45% success rate)</a:t>
-            </a:r>
-          </a:p>
-        </p:txBody>
-      </p:sp>
-      <p:sp>
-        <p:nvSpPr>
-          <p:cNvPr id="3" name="Content Placeholder 2">
-            <a:extLst>
-              <a:ext uri="{FF2B5EF4-FFF2-40B4-BE49-F238E27FC236}">
-                <a16:creationId xmlns:a16="http://schemas.microsoft.com/office/drawing/2014/main" id="{9FD7F0AD-4382-3E7C-B0C5-A668C596E373}"/>
-              </a:ext>
-            </a:extLst>
-          </p:cNvPr>
-          <p:cNvSpPr>
-            <a:spLocks noGrp="1"/>
-          </p:cNvSpPr>
-          <p:nvPr>
-            <p:ph idx="1"/>
-          </p:nvPr>
-        </p:nvSpPr>
-        <p:spPr/>
-        <p:txBody>
-          <a:bodyPr/>
-          <a:lstStyle/>
-          <a:p>
-            <a:r>
-              <a:rPr lang="en-US" dirty="0"/>
-              <a:t>optimal backers for success: 20-99</a:t>
-            </a:r>
-          </a:p>
-          <a:p>
-            <a:r>
-              <a:rPr lang="en-US" dirty="0"/>
-              <a:t>optimal length for success: 15-59 days</a:t>
-            </a:r>
-          </a:p>
-        </p:txBody>
-      </p:sp>
-    </p:spTree>
-    <p:extLst>
-      <p:ext uri="{BB962C8B-B14F-4D97-AF65-F5344CB8AC3E}">
-        <p14:creationId xmlns:p14="http://schemas.microsoft.com/office/powerpoint/2010/main" val="2570676211"/>
-      </p:ext>
-    </p:extLst>
-  </p:cSld>
-  <p:clrMapOvr>
-    <a:masterClrMapping/>
-  </p:clrMapOvr>
-</p:sld>
-</file>
-
-<file path=ppt/slides/slide6.xml><?xml version="1.0" encoding="utf-8"?>
-<p:sld xmlns:a="http://schemas.openxmlformats.org/drawingml/2006/main" xmlns:r="http://schemas.openxmlformats.org/officeDocument/2006/relationships" xmlns:p="http://schemas.openxmlformats.org/presentationml/2006/main">
-  <p:cSld>
-    <p:spTree>
-      <p:nvGrpSpPr>
-        <p:cNvPr id="1" name=""/>
-        <p:cNvGrpSpPr/>
-        <p:nvPr/>
-      </p:nvGrpSpPr>
-      <p:grpSpPr>
-        <a:xfrm>
-          <a:off x="0" y="0"/>
-          <a:ext cx="0" cy="0"/>
-          <a:chOff x="0" y="0"/>
-          <a:chExt cx="0" cy="0"/>
-        </a:xfrm>
-      </p:grpSpPr>
-      <p:sp>
-        <p:nvSpPr>
-          <p:cNvPr id="2" name="Title 1">
-            <a:extLst>
-              <a:ext uri="{FF2B5EF4-FFF2-40B4-BE49-F238E27FC236}">
-                <a16:creationId xmlns:a16="http://schemas.microsoft.com/office/drawing/2014/main" id="{1A383F4F-7B3B-6C64-21F6-716C49B89111}"/>
-              </a:ext>
-            </a:extLst>
-          </p:cNvPr>
-          <p:cNvSpPr>
-            <a:spLocks noGrp="1"/>
-          </p:cNvSpPr>
-          <p:nvPr>
-            <p:ph type="title"/>
-          </p:nvPr>
-        </p:nvSpPr>
-        <p:spPr/>
-        <p:txBody>
-          <a:bodyPr>
-            <a:normAutofit fontScale="90000"/>
-          </a:bodyPr>
-          <a:lstStyle/>
-          <a:p>
-            <a:r>
-              <a:rPr lang="en-US" dirty="0"/>
-              <a:t>Successful Projects with Goals of </a:t>
-            </a:r>
-            <a:br>
-              <a:rPr lang="en-US" dirty="0"/>
-            </a:br>
-            <a:r>
-              <a:rPr lang="en-US" dirty="0"/>
-              <a:t>$5,000 - $14,999</a:t>
-            </a:r>
-            <a:br>
-              <a:rPr lang="en-US" dirty="0"/>
-            </a:br>
-            <a:r>
-              <a:rPr lang="en-US" dirty="0"/>
-              <a:t>(38% success rate)</a:t>
-            </a:r>
-          </a:p>
-        </p:txBody>
-      </p:sp>
-      <p:sp>
-        <p:nvSpPr>
-          <p:cNvPr id="3" name="Content Placeholder 2">
-            <a:extLst>
-              <a:ext uri="{FF2B5EF4-FFF2-40B4-BE49-F238E27FC236}">
-                <a16:creationId xmlns:a16="http://schemas.microsoft.com/office/drawing/2014/main" id="{9FD7F0AD-4382-3E7C-B0C5-A668C596E373}"/>
-              </a:ext>
-            </a:extLst>
-          </p:cNvPr>
-          <p:cNvSpPr>
-            <a:spLocks noGrp="1"/>
-          </p:cNvSpPr>
-          <p:nvPr>
-            <p:ph idx="1"/>
-          </p:nvPr>
-        </p:nvSpPr>
-        <p:spPr/>
-        <p:txBody>
-          <a:bodyPr/>
-          <a:lstStyle/>
-          <a:p>
-            <a:r>
-              <a:rPr lang="en-US" dirty="0"/>
-              <a:t>optimal backers for success: 60-150</a:t>
-            </a:r>
-          </a:p>
-          <a:p>
-            <a:r>
-              <a:rPr lang="en-US" dirty="0"/>
-              <a:t>optimal length for success: 15-59</a:t>
-            </a:r>
-          </a:p>
-        </p:txBody>
-      </p:sp>
-    </p:spTree>
-    <p:extLst>
-      <p:ext uri="{BB962C8B-B14F-4D97-AF65-F5344CB8AC3E}">
-        <p14:creationId xmlns:p14="http://schemas.microsoft.com/office/powerpoint/2010/main" val="985774260"/>
-      </p:ext>
-    </p:extLst>
-  </p:cSld>
-  <p:clrMapOvr>
-    <a:masterClrMapping/>
-  </p:clrMapOvr>
-</p:sld>
-</file>
-
-<file path=ppt/slides/slide7.xml><?xml version="1.0" encoding="utf-8"?>
-<p:sld xmlns:a="http://schemas.openxmlformats.org/drawingml/2006/main" xmlns:r="http://schemas.openxmlformats.org/officeDocument/2006/relationships" xmlns:p="http://schemas.openxmlformats.org/presentationml/2006/main">
-  <p:cSld>
-    <p:spTree>
-      <p:nvGrpSpPr>
-        <p:cNvPr id="1" name=""/>
-        <p:cNvGrpSpPr/>
-        <p:nvPr/>
-      </p:nvGrpSpPr>
-      <p:grpSpPr>
-        <a:xfrm>
-          <a:off x="0" y="0"/>
-          <a:ext cx="0" cy="0"/>
-          <a:chOff x="0" y="0"/>
-          <a:chExt cx="0" cy="0"/>
-        </a:xfrm>
-      </p:grpSpPr>
-      <p:sp>
-        <p:nvSpPr>
-          <p:cNvPr id="2" name="Title 1">
-            <a:extLst>
-              <a:ext uri="{FF2B5EF4-FFF2-40B4-BE49-F238E27FC236}">
-                <a16:creationId xmlns:a16="http://schemas.microsoft.com/office/drawing/2014/main" id="{1A383F4F-7B3B-6C64-21F6-716C49B89111}"/>
-              </a:ext>
-            </a:extLst>
-          </p:cNvPr>
-          <p:cNvSpPr>
-            <a:spLocks noGrp="1"/>
-          </p:cNvSpPr>
-          <p:nvPr>
-            <p:ph type="title"/>
-          </p:nvPr>
-        </p:nvSpPr>
-        <p:spPr/>
-        <p:txBody>
-          <a:bodyPr>
-            <a:normAutofit fontScale="90000"/>
-          </a:bodyPr>
-          <a:lstStyle/>
-          <a:p>
-            <a:r>
-              <a:rPr lang="en-US" dirty="0"/>
-              <a:t>Successful Projects with Goals of </a:t>
-            </a:r>
-            <a:br>
-              <a:rPr lang="en-US" dirty="0"/>
-            </a:br>
-            <a:r>
-              <a:rPr lang="en-US" dirty="0"/>
-              <a:t>$15,000 - $29,999</a:t>
-            </a:r>
-            <a:br>
-              <a:rPr lang="en-US" dirty="0"/>
-            </a:br>
-            <a:r>
-              <a:rPr lang="en-US" dirty="0"/>
-              <a:t>(28% success rate)</a:t>
-            </a:r>
-          </a:p>
-        </p:txBody>
-      </p:sp>
-      <p:sp>
-        <p:nvSpPr>
-          <p:cNvPr id="3" name="Content Placeholder 2">
-            <a:extLst>
-              <a:ext uri="{FF2B5EF4-FFF2-40B4-BE49-F238E27FC236}">
-                <a16:creationId xmlns:a16="http://schemas.microsoft.com/office/drawing/2014/main" id="{9FD7F0AD-4382-3E7C-B0C5-A668C596E373}"/>
-              </a:ext>
-            </a:extLst>
-          </p:cNvPr>
-          <p:cNvSpPr>
-            <a:spLocks noGrp="1"/>
-          </p:cNvSpPr>
-          <p:nvPr>
-            <p:ph idx="1"/>
-          </p:nvPr>
-        </p:nvSpPr>
-        <p:spPr/>
-        <p:txBody>
-          <a:bodyPr/>
-          <a:lstStyle/>
-          <a:p>
-            <a:r>
-              <a:rPr lang="en-US" dirty="0"/>
-              <a:t>optimal backers for success: 60-150</a:t>
-            </a:r>
-          </a:p>
-          <a:p>
-            <a:r>
-              <a:rPr lang="en-US" dirty="0"/>
-              <a:t>optimal length for success: 15-59</a:t>
-            </a:r>
-          </a:p>
-        </p:txBody>
-      </p:sp>
-    </p:spTree>
-    <p:extLst>
-      <p:ext uri="{BB962C8B-B14F-4D97-AF65-F5344CB8AC3E}">
-        <p14:creationId xmlns:p14="http://schemas.microsoft.com/office/powerpoint/2010/main" val="2743437723"/>
-      </p:ext>
-    </p:extLst>
-  </p:cSld>
-  <p:clrMapOvr>
-    <a:masterClrMapping/>
-  </p:clrMapOvr>
-</p:sld>
-</file>
-
-<file path=ppt/slides/slide8.xml><?xml version="1.0" encoding="utf-8"?>
-<p:sld xmlns:a="http://schemas.openxmlformats.org/drawingml/2006/main" xmlns:r="http://schemas.openxmlformats.org/officeDocument/2006/relationships" xmlns:p="http://schemas.openxmlformats.org/presentationml/2006/main">
-  <p:cSld>
-    <p:spTree>
-      <p:nvGrpSpPr>
-        <p:cNvPr id="1" name=""/>
-        <p:cNvGrpSpPr/>
-        <p:nvPr/>
-      </p:nvGrpSpPr>
-      <p:grpSpPr>
-        <a:xfrm>
-          <a:off x="0" y="0"/>
-          <a:ext cx="0" cy="0"/>
-          <a:chOff x="0" y="0"/>
-          <a:chExt cx="0" cy="0"/>
-        </a:xfrm>
-      </p:grpSpPr>
-      <p:sp>
-        <p:nvSpPr>
-          <p:cNvPr id="2" name="Title 1">
-            <a:extLst>
-              <a:ext uri="{FF2B5EF4-FFF2-40B4-BE49-F238E27FC236}">
-                <a16:creationId xmlns:a16="http://schemas.microsoft.com/office/drawing/2014/main" id="{1A383F4F-7B3B-6C64-21F6-716C49B89111}"/>
-              </a:ext>
-            </a:extLst>
-          </p:cNvPr>
-          <p:cNvSpPr>
-            <a:spLocks noGrp="1"/>
-          </p:cNvSpPr>
-          <p:nvPr>
-            <p:ph type="title"/>
-          </p:nvPr>
-        </p:nvSpPr>
-        <p:spPr/>
-        <p:txBody>
-          <a:bodyPr>
-            <a:normAutofit fontScale="90000"/>
-          </a:bodyPr>
-          <a:lstStyle/>
-          <a:p>
-            <a:r>
-              <a:rPr lang="en-US" dirty="0"/>
-              <a:t>Successful Projects with Goals of </a:t>
-            </a:r>
-            <a:br>
-              <a:rPr lang="en-US" dirty="0"/>
-            </a:br>
-            <a:r>
-              <a:rPr lang="en-US" dirty="0"/>
-              <a:t>$30,000+</a:t>
-            </a:r>
-            <a:br>
-              <a:rPr lang="en-US" dirty="0"/>
-            </a:br>
-            <a:r>
-              <a:rPr lang="en-US" dirty="0"/>
-              <a:t>(14% success rate)</a:t>
-            </a:r>
-          </a:p>
-        </p:txBody>
-      </p:sp>
-      <p:sp>
-        <p:nvSpPr>
-          <p:cNvPr id="3" name="Content Placeholder 2">
-            <a:extLst>
-              <a:ext uri="{FF2B5EF4-FFF2-40B4-BE49-F238E27FC236}">
-                <a16:creationId xmlns:a16="http://schemas.microsoft.com/office/drawing/2014/main" id="{9FD7F0AD-4382-3E7C-B0C5-A668C596E373}"/>
-              </a:ext>
-            </a:extLst>
-          </p:cNvPr>
-          <p:cNvSpPr>
-            <a:spLocks noGrp="1"/>
-          </p:cNvSpPr>
-          <p:nvPr>
-            <p:ph idx="1"/>
-          </p:nvPr>
-        </p:nvSpPr>
-        <p:spPr/>
-        <p:txBody>
-          <a:bodyPr/>
-          <a:lstStyle/>
-          <a:p>
-            <a:r>
-              <a:rPr lang="en-US" dirty="0"/>
-              <a:t>optimal backers for success: 100+</a:t>
-            </a:r>
-          </a:p>
-          <a:p>
-            <a:r>
-              <a:rPr lang="en-US" dirty="0"/>
-              <a:t>optimal length for success: 15-59 days</a:t>
-            </a:r>
-          </a:p>
-        </p:txBody>
-      </p:sp>
-    </p:spTree>
-    <p:extLst>
-      <p:ext uri="{BB962C8B-B14F-4D97-AF65-F5344CB8AC3E}">
-        <p14:creationId xmlns:p14="http://schemas.microsoft.com/office/powerpoint/2010/main" val="1289672530"/>
-      </p:ext>
-    </p:extLst>
-  </p:cSld>
-  <p:clrMapOvr>
-    <a:masterClrMapping/>
-  </p:clrMapOvr>
-</p:sld>
-</file>
-
-<file path=ppt/slides/slide9.xml><?xml version="1.0" encoding="utf-8"?>
-<p:sld xmlns:a="http://schemas.openxmlformats.org/drawingml/2006/main" xmlns:r="http://schemas.openxmlformats.org/officeDocument/2006/relationships" xmlns:p="http://schemas.openxmlformats.org/presentationml/2006/main">
-  <p:cSld>
-    <p:spTree>
-      <p:nvGrpSpPr>
-        <p:cNvPr id="1" name=""/>
-        <p:cNvGrpSpPr/>
-        <p:nvPr/>
-      </p:nvGrpSpPr>
-      <p:grpSpPr>
-        <a:xfrm>
-          <a:off x="0" y="0"/>
-          <a:ext cx="0" cy="0"/>
-          <a:chOff x="0" y="0"/>
-          <a:chExt cx="0" cy="0"/>
-        </a:xfrm>
-      </p:grpSpPr>
-      <p:sp>
-        <p:nvSpPr>
-          <p:cNvPr id="2" name="Title 1">
-            <a:extLst>
-              <a:ext uri="{FF2B5EF4-FFF2-40B4-BE49-F238E27FC236}">
-                <a16:creationId xmlns:a16="http://schemas.microsoft.com/office/drawing/2014/main" id="{1D6CE268-E457-B813-BA8F-92A6678F8F7C}"/>
-              </a:ext>
-            </a:extLst>
-          </p:cNvPr>
-          <p:cNvSpPr>
-            <a:spLocks noGrp="1"/>
-          </p:cNvSpPr>
-          <p:nvPr>
-            <p:ph type="title"/>
-          </p:nvPr>
-        </p:nvSpPr>
-        <p:spPr/>
-        <p:txBody>
-          <a:bodyPr/>
-          <a:lstStyle/>
-          <a:p>
-            <a:r>
-              <a:rPr lang="en-US" dirty="0"/>
-              <a:t>Failed projects that near completion</a:t>
-            </a:r>
-          </a:p>
-        </p:txBody>
-      </p:sp>
-      <p:sp>
-        <p:nvSpPr>
-          <p:cNvPr id="3" name="Content Placeholder 2">
-            <a:extLst>
-              <a:ext uri="{FF2B5EF4-FFF2-40B4-BE49-F238E27FC236}">
-                <a16:creationId xmlns:a16="http://schemas.microsoft.com/office/drawing/2014/main" id="{24ECFEE0-BB7E-70B1-C007-2D12C340F55A}"/>
-              </a:ext>
-            </a:extLst>
-          </p:cNvPr>
-          <p:cNvSpPr>
-            <a:spLocks noGrp="1"/>
-          </p:cNvSpPr>
-          <p:nvPr>
-            <p:ph idx="1"/>
-          </p:nvPr>
-        </p:nvSpPr>
-        <p:spPr/>
-        <p:txBody>
-          <a:bodyPr/>
-          <a:lstStyle/>
-          <a:p>
-            <a:r>
-              <a:rPr lang="en-US" dirty="0"/>
-              <a:t>199/129,720 = 0.15% of failed projects ALMOST meet goal (90-99% funded)</a:t>
-            </a:r>
-          </a:p>
-          <a:p>
-            <a:r>
-              <a:rPr lang="en-US" dirty="0"/>
-              <a:t>average goal of these projects is $14,049</a:t>
-            </a:r>
-          </a:p>
-          <a:p>
-            <a:r>
-              <a:rPr lang="en-US" dirty="0"/>
-              <a:t>average length of these projects is 33 days</a:t>
-            </a:r>
-          </a:p>
-          <a:p>
-            <a:r>
-              <a:rPr lang="en-US" dirty="0"/>
-              <a:t>average backers of these projects is 102</a:t>
-            </a:r>
-          </a:p>
-          <a:p>
-            <a:endParaRPr lang="en-US" dirty="0"/>
-          </a:p>
-        </p:txBody>
-      </p:sp>
-    </p:spTree>
-    <p:extLst>
-      <p:ext uri="{BB962C8B-B14F-4D97-AF65-F5344CB8AC3E}">
-        <p14:creationId xmlns:p14="http://schemas.microsoft.com/office/powerpoint/2010/main" val="2739649684"/>
       </p:ext>
     </p:extLst>
   </p:cSld>
